--- a/Defense/Défense_Equipe_12.pptx
+++ b/Defense/Défense_Equipe_12.pptx
@@ -5,18 +5,24 @@
     <p:sldMasterId id="2147483691" r:id="rId1"/>
   </p:sldMasterIdLst>
   <p:notesMasterIdLst>
-    <p:notesMasterId r:id="rId11"/>
+    <p:notesMasterId r:id="rId17"/>
   </p:notesMasterIdLst>
   <p:sldIdLst>
     <p:sldId id="257" r:id="rId2"/>
     <p:sldId id="258" r:id="rId3"/>
     <p:sldId id="259" r:id="rId4"/>
-    <p:sldId id="260" r:id="rId5"/>
-    <p:sldId id="261" r:id="rId6"/>
-    <p:sldId id="262" r:id="rId7"/>
-    <p:sldId id="263" r:id="rId8"/>
-    <p:sldId id="264" r:id="rId9"/>
-    <p:sldId id="265" r:id="rId10"/>
+    <p:sldId id="267" r:id="rId5"/>
+    <p:sldId id="268" r:id="rId6"/>
+    <p:sldId id="266" r:id="rId7"/>
+    <p:sldId id="269" r:id="rId8"/>
+    <p:sldId id="260" r:id="rId9"/>
+    <p:sldId id="270" r:id="rId10"/>
+    <p:sldId id="271" r:id="rId11"/>
+    <p:sldId id="261" r:id="rId12"/>
+    <p:sldId id="262" r:id="rId13"/>
+    <p:sldId id="263" r:id="rId14"/>
+    <p:sldId id="264" r:id="rId15"/>
+    <p:sldId id="265" r:id="rId16"/>
   </p:sldIdLst>
   <p:sldSz cx="12192000" cy="6858000"/>
   <p:notesSz cx="6858000" cy="9144000"/>
@@ -151,7 +157,8 @@
 <file path=ppt/revisionInfo.xml><?xml version="1.0" encoding="utf-8"?>
 <p1510:revInfo xmlns:a="http://schemas.openxmlformats.org/drawingml/2006/main" xmlns:r="http://schemas.openxmlformats.org/officeDocument/2006/relationships" xmlns:p1510="http://schemas.microsoft.com/office/powerpoint/2015/10/main">
   <p1510:revLst>
-    <p1510:client id="{BC91277A-295B-421F-9F3D-D301088A7931}" v="39" dt="2026-01-25T15:10:14.955"/>
+    <p1510:client id="{BC91277A-295B-421F-9F3D-D301088A7931}" v="371" dt="2026-01-26T20:06:08.578"/>
+    <p1510:client id="{EF836AFE-8E89-4937-CD06-0FB6AB589649}" v="6" dt="2026-01-26T20:09:28.676"/>
   </p1510:revLst>
 </p1510:revInfo>
 </file>
@@ -160,8 +167,8 @@
 <pc:chgInfo xmlns:a="http://schemas.openxmlformats.org/drawingml/2006/main" xmlns:r="http://schemas.openxmlformats.org/officeDocument/2006/relationships" xmlns:ac="http://schemas.microsoft.com/office/drawing/2013/main/command" xmlns:pc="http://schemas.microsoft.com/office/powerpoint/2013/main/command">
   <pc:docChgLst>
     <pc:chgData name="Alexis Guérard" userId="a462f36d-9f2d-47f3-9698-bbe82ca34092" providerId="ADAL" clId="{3ED0E730-8621-4DB1-9A90-250D8258627D}"/>
-    <pc:docChg chg="custSel addSld delSld modSld sldOrd modMainMaster">
-      <pc:chgData name="Alexis Guérard" userId="a462f36d-9f2d-47f3-9698-bbe82ca34092" providerId="ADAL" clId="{3ED0E730-8621-4DB1-9A90-250D8258627D}" dt="2026-01-25T17:01:06.209" v="522" actId="33524"/>
+    <pc:docChg chg="undo custSel addSld delSld modSld sldOrd modMainMaster">
+      <pc:chgData name="Alexis Guérard" userId="a462f36d-9f2d-47f3-9698-bbe82ca34092" providerId="ADAL" clId="{3ED0E730-8621-4DB1-9A90-250D8258627D}" dt="2026-01-26T20:06:08.578" v="1430" actId="1076"/>
       <pc:docMkLst>
         <pc:docMk/>
       </pc:docMkLst>
@@ -263,8 +270,8 @@
           <pc:sldMk cId="2466050812" sldId="258"/>
         </pc:sldMkLst>
       </pc:sldChg>
-      <pc:sldChg chg="modSp new mod">
-        <pc:chgData name="Alexis Guérard" userId="a462f36d-9f2d-47f3-9698-bbe82ca34092" providerId="ADAL" clId="{3ED0E730-8621-4DB1-9A90-250D8258627D}" dt="2026-01-25T16:59:17.904" v="369" actId="20577"/>
+      <pc:sldChg chg="addSp modSp new mod modNotesTx">
+        <pc:chgData name="Alexis Guérard" userId="a462f36d-9f2d-47f3-9698-bbe82ca34092" providerId="ADAL" clId="{3ED0E730-8621-4DB1-9A90-250D8258627D}" dt="2026-01-26T19:23:32.837" v="1285" actId="1076"/>
         <pc:sldMkLst>
           <pc:docMk/>
           <pc:sldMk cId="816675831" sldId="259"/>
@@ -277,6 +284,30 @@
             <ac:spMk id="2" creationId="{DBFDB098-2908-4FF5-FC0B-9B97DB7F143B}"/>
           </ac:spMkLst>
         </pc:spChg>
+        <pc:spChg chg="mod">
+          <ac:chgData name="Alexis Guérard" userId="a462f36d-9f2d-47f3-9698-bbe82ca34092" providerId="ADAL" clId="{3ED0E730-8621-4DB1-9A90-250D8258627D}" dt="2026-01-26T19:00:50.205" v="1147" actId="20577"/>
+          <ac:spMkLst>
+            <pc:docMk/>
+            <pc:sldMk cId="816675831" sldId="259"/>
+            <ac:spMk id="3" creationId="{F44382EA-F756-6538-AC65-A957AE7BB8A0}"/>
+          </ac:spMkLst>
+        </pc:spChg>
+        <pc:picChg chg="add mod">
+          <ac:chgData name="Alexis Guérard" userId="a462f36d-9f2d-47f3-9698-bbe82ca34092" providerId="ADAL" clId="{3ED0E730-8621-4DB1-9A90-250D8258627D}" dt="2026-01-26T18:25:19.550" v="530" actId="1076"/>
+          <ac:picMkLst>
+            <pc:docMk/>
+            <pc:sldMk cId="816675831" sldId="259"/>
+            <ac:picMk id="6" creationId="{0FE92CAD-6CEE-F68F-101A-17C3F3F3F68B}"/>
+          </ac:picMkLst>
+        </pc:picChg>
+        <pc:picChg chg="add mod">
+          <ac:chgData name="Alexis Guérard" userId="a462f36d-9f2d-47f3-9698-bbe82ca34092" providerId="ADAL" clId="{3ED0E730-8621-4DB1-9A90-250D8258627D}" dt="2026-01-26T19:23:32.837" v="1285" actId="1076"/>
+          <ac:picMkLst>
+            <pc:docMk/>
+            <pc:sldMk cId="816675831" sldId="259"/>
+            <ac:picMk id="7" creationId="{68D57D02-F1C6-19DA-D3B4-D14AF073EF6D}"/>
+          </ac:picMkLst>
+        </pc:picChg>
       </pc:sldChg>
       <pc:sldChg chg="new del">
         <pc:chgData name="Alexis Guérard" userId="a462f36d-9f2d-47f3-9698-bbe82ca34092" providerId="ADAL" clId="{3ED0E730-8621-4DB1-9A90-250D8258627D}" dt="2026-01-25T15:10:31.003" v="301" actId="47"/>
@@ -285,8 +316,8 @@
           <pc:sldMk cId="3088565300" sldId="259"/>
         </pc:sldMkLst>
       </pc:sldChg>
-      <pc:sldChg chg="modSp new mod">
-        <pc:chgData name="Alexis Guérard" userId="a462f36d-9f2d-47f3-9698-bbe82ca34092" providerId="ADAL" clId="{3ED0E730-8621-4DB1-9A90-250D8258627D}" dt="2026-01-25T16:59:09.048" v="363" actId="20577"/>
+      <pc:sldChg chg="addSp modSp new mod">
+        <pc:chgData name="Alexis Guérard" userId="a462f36d-9f2d-47f3-9698-bbe82ca34092" providerId="ADAL" clId="{3ED0E730-8621-4DB1-9A90-250D8258627D}" dt="2026-01-26T20:06:08.578" v="1430" actId="1076"/>
         <pc:sldMkLst>
           <pc:docMk/>
           <pc:sldMk cId="1812395361" sldId="260"/>
@@ -299,6 +330,22 @@
             <ac:spMk id="2" creationId="{3B4C8CD5-EF2C-A2FC-851F-703623698BC9}"/>
           </ac:spMkLst>
         </pc:spChg>
+        <pc:spChg chg="mod">
+          <ac:chgData name="Alexis Guérard" userId="a462f36d-9f2d-47f3-9698-bbe82ca34092" providerId="ADAL" clId="{3ED0E730-8621-4DB1-9A90-250D8258627D}" dt="2026-01-26T19:30:33.617" v="1287" actId="14100"/>
+          <ac:spMkLst>
+            <pc:docMk/>
+            <pc:sldMk cId="1812395361" sldId="260"/>
+            <ac:spMk id="3" creationId="{F6A0ED0D-9527-3433-51F1-8AAAD3A83BFC}"/>
+          </ac:spMkLst>
+        </pc:spChg>
+        <pc:picChg chg="add mod">
+          <ac:chgData name="Alexis Guérard" userId="a462f36d-9f2d-47f3-9698-bbe82ca34092" providerId="ADAL" clId="{3ED0E730-8621-4DB1-9A90-250D8258627D}" dt="2026-01-26T20:06:08.578" v="1430" actId="1076"/>
+          <ac:picMkLst>
+            <pc:docMk/>
+            <pc:sldMk cId="1812395361" sldId="260"/>
+            <ac:picMk id="6" creationId="{DCDD544D-A646-6E65-F8B8-9EC3A7C29326}"/>
+          </ac:picMkLst>
+        </pc:picChg>
       </pc:sldChg>
       <pc:sldChg chg="modSp new mod">
         <pc:chgData name="Alexis Guérard" userId="a462f36d-9f2d-47f3-9698-bbe82ca34092" providerId="ADAL" clId="{3ED0E730-8621-4DB1-9A90-250D8258627D}" dt="2026-01-25T16:59:55.421" v="404" actId="313"/>
@@ -382,6 +429,285 @@
             <ac:spMk id="2" creationId="{D0B66B8D-2793-43FC-354A-F641F663F96A}"/>
           </ac:spMkLst>
         </pc:spChg>
+      </pc:sldChg>
+      <pc:sldChg chg="addSp delSp modSp add mod">
+        <pc:chgData name="Alexis Guérard" userId="a462f36d-9f2d-47f3-9698-bbe82ca34092" providerId="ADAL" clId="{3ED0E730-8621-4DB1-9A90-250D8258627D}" dt="2026-01-26T19:18:19.706" v="1200" actId="20577"/>
+        <pc:sldMkLst>
+          <pc:docMk/>
+          <pc:sldMk cId="1818669577" sldId="266"/>
+        </pc:sldMkLst>
+        <pc:spChg chg="mod">
+          <ac:chgData name="Alexis Guérard" userId="a462f36d-9f2d-47f3-9698-bbe82ca34092" providerId="ADAL" clId="{3ED0E730-8621-4DB1-9A90-250D8258627D}" dt="2026-01-26T19:18:19.706" v="1200" actId="20577"/>
+          <ac:spMkLst>
+            <pc:docMk/>
+            <pc:sldMk cId="1818669577" sldId="266"/>
+            <ac:spMk id="3" creationId="{52BEFDF5-B9ED-0A42-A682-D4561E6DBC13}"/>
+          </ac:spMkLst>
+        </pc:spChg>
+        <pc:picChg chg="del">
+          <ac:chgData name="Alexis Guérard" userId="a462f36d-9f2d-47f3-9698-bbe82ca34092" providerId="ADAL" clId="{3ED0E730-8621-4DB1-9A90-250D8258627D}" dt="2026-01-26T18:27:02.517" v="600" actId="478"/>
+          <ac:picMkLst>
+            <pc:docMk/>
+            <pc:sldMk cId="1818669577" sldId="266"/>
+            <ac:picMk id="6" creationId="{DBD98091-BCC9-D6DE-8B16-79A012C4BFA0}"/>
+          </ac:picMkLst>
+        </pc:picChg>
+        <pc:picChg chg="add mod modCrop">
+          <ac:chgData name="Alexis Guérard" userId="a462f36d-9f2d-47f3-9698-bbe82ca34092" providerId="ADAL" clId="{3ED0E730-8621-4DB1-9A90-250D8258627D}" dt="2026-01-26T18:32:08.982" v="616" actId="1076"/>
+          <ac:picMkLst>
+            <pc:docMk/>
+            <pc:sldMk cId="1818669577" sldId="266"/>
+            <ac:picMk id="7" creationId="{7208D433-828A-A986-6F2D-233FD30548F5}"/>
+          </ac:picMkLst>
+        </pc:picChg>
+      </pc:sldChg>
+      <pc:sldChg chg="addSp delSp modSp add mod">
+        <pc:chgData name="Alexis Guérard" userId="a462f36d-9f2d-47f3-9698-bbe82ca34092" providerId="ADAL" clId="{3ED0E730-8621-4DB1-9A90-250D8258627D}" dt="2026-01-26T19:01:03.115" v="1149" actId="478"/>
+        <pc:sldMkLst>
+          <pc:docMk/>
+          <pc:sldMk cId="1992194460" sldId="267"/>
+        </pc:sldMkLst>
+        <pc:spChg chg="add del mod">
+          <ac:chgData name="Alexis Guérard" userId="a462f36d-9f2d-47f3-9698-bbe82ca34092" providerId="ADAL" clId="{3ED0E730-8621-4DB1-9A90-250D8258627D}" dt="2026-01-26T19:01:03.115" v="1149" actId="478"/>
+          <ac:spMkLst>
+            <pc:docMk/>
+            <pc:sldMk cId="1992194460" sldId="267"/>
+            <ac:spMk id="3" creationId="{60C8F317-516D-7BEA-CCD1-62092F20AC26}"/>
+          </ac:spMkLst>
+        </pc:spChg>
+        <pc:spChg chg="del">
+          <ac:chgData name="Alexis Guérard" userId="a462f36d-9f2d-47f3-9698-bbe82ca34092" providerId="ADAL" clId="{3ED0E730-8621-4DB1-9A90-250D8258627D}" dt="2026-01-26T18:39:21.114" v="925" actId="478"/>
+          <ac:spMkLst>
+            <pc:docMk/>
+            <pc:sldMk cId="1992194460" sldId="267"/>
+            <ac:spMk id="3" creationId="{BCF326BD-A581-AA7C-E3E6-24ECF2AE6E93}"/>
+          </ac:spMkLst>
+        </pc:spChg>
+        <pc:spChg chg="add del mod">
+          <ac:chgData name="Alexis Guérard" userId="a462f36d-9f2d-47f3-9698-bbe82ca34092" providerId="ADAL" clId="{3ED0E730-8621-4DB1-9A90-250D8258627D}" dt="2026-01-26T19:00:59.667" v="1148" actId="478"/>
+          <ac:spMkLst>
+            <pc:docMk/>
+            <pc:sldMk cId="1992194460" sldId="267"/>
+            <ac:spMk id="5" creationId="{8AA70E75-AFC4-F7AC-1D5C-BEF59A0DD5FD}"/>
+          </ac:spMkLst>
+        </pc:spChg>
+        <pc:spChg chg="add del mod">
+          <ac:chgData name="Alexis Guérard" userId="a462f36d-9f2d-47f3-9698-bbe82ca34092" providerId="ADAL" clId="{3ED0E730-8621-4DB1-9A90-250D8258627D}" dt="2026-01-26T18:52:27.962" v="1084" actId="478"/>
+          <ac:spMkLst>
+            <pc:docMk/>
+            <pc:sldMk cId="1992194460" sldId="267"/>
+            <ac:spMk id="9" creationId="{AC3F8B91-9F78-3612-CA6D-354D88BB885D}"/>
+          </ac:spMkLst>
+        </pc:spChg>
+        <pc:picChg chg="del">
+          <ac:chgData name="Alexis Guérard" userId="a462f36d-9f2d-47f3-9698-bbe82ca34092" providerId="ADAL" clId="{3ED0E730-8621-4DB1-9A90-250D8258627D}" dt="2026-01-26T18:39:19.438" v="924" actId="478"/>
+          <ac:picMkLst>
+            <pc:docMk/>
+            <pc:sldMk cId="1992194460" sldId="267"/>
+            <ac:picMk id="6" creationId="{6ABA6631-FD4D-63CC-A8B8-5ECE9BD80C81}"/>
+          </ac:picMkLst>
+        </pc:picChg>
+        <pc:picChg chg="add mod modCrop">
+          <ac:chgData name="Alexis Guérard" userId="a462f36d-9f2d-47f3-9698-bbe82ca34092" providerId="ADAL" clId="{3ED0E730-8621-4DB1-9A90-250D8258627D}" dt="2026-01-26T18:53:09.439" v="1088" actId="1076"/>
+          <ac:picMkLst>
+            <pc:docMk/>
+            <pc:sldMk cId="1992194460" sldId="267"/>
+            <ac:picMk id="8" creationId="{CE817CBB-5215-50F8-8000-54319F9F29CF}"/>
+          </ac:picMkLst>
+        </pc:picChg>
+      </pc:sldChg>
+      <pc:sldChg chg="addSp delSp modSp add del mod">
+        <pc:chgData name="Alexis Guérard" userId="a462f36d-9f2d-47f3-9698-bbe82ca34092" providerId="ADAL" clId="{3ED0E730-8621-4DB1-9A90-250D8258627D}" dt="2026-01-26T18:52:24.827" v="1079"/>
+        <pc:sldMkLst>
+          <pc:docMk/>
+          <pc:sldMk cId="1527090573" sldId="268"/>
+        </pc:sldMkLst>
+        <pc:spChg chg="add del">
+          <ac:chgData name="Alexis Guérard" userId="a462f36d-9f2d-47f3-9698-bbe82ca34092" providerId="ADAL" clId="{3ED0E730-8621-4DB1-9A90-250D8258627D}" dt="2026-01-26T18:52:22.326" v="1073" actId="478"/>
+          <ac:spMkLst>
+            <pc:docMk/>
+            <pc:sldMk cId="1527090573" sldId="268"/>
+            <ac:spMk id="3" creationId="{D524184E-A2E9-42E3-0A26-0116D16D4FA3}"/>
+          </ac:spMkLst>
+        </pc:spChg>
+        <pc:spChg chg="add del mod">
+          <ac:chgData name="Alexis Guérard" userId="a462f36d-9f2d-47f3-9698-bbe82ca34092" providerId="ADAL" clId="{3ED0E730-8621-4DB1-9A90-250D8258627D}" dt="2026-01-26T18:52:21.746" v="1072" actId="22"/>
+          <ac:spMkLst>
+            <pc:docMk/>
+            <pc:sldMk cId="1527090573" sldId="268"/>
+            <ac:spMk id="8" creationId="{1F4924CD-9F9E-7702-A218-BBB14C81CE9A}"/>
+          </ac:spMkLst>
+        </pc:spChg>
+        <pc:spChg chg="add mod">
+          <ac:chgData name="Alexis Guérard" userId="a462f36d-9f2d-47f3-9698-bbe82ca34092" providerId="ADAL" clId="{3ED0E730-8621-4DB1-9A90-250D8258627D}" dt="2026-01-26T18:52:19.792" v="1070" actId="14100"/>
+          <ac:spMkLst>
+            <pc:docMk/>
+            <pc:sldMk cId="1527090573" sldId="268"/>
+            <ac:spMk id="11" creationId="{B57A09C7-1451-6C93-51E8-D0EAC8932F14}"/>
+          </ac:spMkLst>
+        </pc:spChg>
+        <pc:picChg chg="add del mod">
+          <ac:chgData name="Alexis Guérard" userId="a462f36d-9f2d-47f3-9698-bbe82ca34092" providerId="ADAL" clId="{3ED0E730-8621-4DB1-9A90-250D8258627D}" dt="2026-01-26T18:52:24.042" v="1077" actId="22"/>
+          <ac:picMkLst>
+            <pc:docMk/>
+            <pc:sldMk cId="1527090573" sldId="268"/>
+            <ac:picMk id="6" creationId="{86CB201D-B17F-742F-C99D-93A81E52BC13}"/>
+          </ac:picMkLst>
+        </pc:picChg>
+        <pc:picChg chg="add del">
+          <ac:chgData name="Alexis Guérard" userId="a462f36d-9f2d-47f3-9698-bbe82ca34092" providerId="ADAL" clId="{3ED0E730-8621-4DB1-9A90-250D8258627D}" dt="2026-01-26T18:52:24.427" v="1078" actId="478"/>
+          <ac:picMkLst>
+            <pc:docMk/>
+            <pc:sldMk cId="1527090573" sldId="268"/>
+            <ac:picMk id="7" creationId="{CC87CAA8-0F97-4B96-3222-017231714D10}"/>
+          </ac:picMkLst>
+        </pc:picChg>
+        <pc:picChg chg="add del mod ord">
+          <ac:chgData name="Alexis Guérard" userId="a462f36d-9f2d-47f3-9698-bbe82ca34092" providerId="ADAL" clId="{3ED0E730-8621-4DB1-9A90-250D8258627D}" dt="2026-01-26T18:52:21.746" v="1072" actId="22"/>
+          <ac:picMkLst>
+            <pc:docMk/>
+            <pc:sldMk cId="1527090573" sldId="268"/>
+            <ac:picMk id="10" creationId="{DC103C41-8AC8-38AB-A0DF-D74A961F644E}"/>
+          </ac:picMkLst>
+        </pc:picChg>
+      </pc:sldChg>
+      <pc:sldChg chg="addSp delSp modSp add mod">
+        <pc:chgData name="Alexis Guérard" userId="a462f36d-9f2d-47f3-9698-bbe82ca34092" providerId="ADAL" clId="{3ED0E730-8621-4DB1-9A90-250D8258627D}" dt="2026-01-26T19:15:25.843" v="1163" actId="20577"/>
+        <pc:sldMkLst>
+          <pc:docMk/>
+          <pc:sldMk cId="1905596405" sldId="268"/>
+        </pc:sldMkLst>
+        <pc:spChg chg="mod">
+          <ac:chgData name="Alexis Guérard" userId="a462f36d-9f2d-47f3-9698-bbe82ca34092" providerId="ADAL" clId="{3ED0E730-8621-4DB1-9A90-250D8258627D}" dt="2026-01-26T19:15:25.843" v="1163" actId="20577"/>
+          <ac:spMkLst>
+            <pc:docMk/>
+            <pc:sldMk cId="1905596405" sldId="268"/>
+            <ac:spMk id="5" creationId="{FDFFE53C-A263-5EB8-A9CD-4DA6CF2633C7}"/>
+          </ac:spMkLst>
+        </pc:spChg>
+        <pc:picChg chg="add mod">
+          <ac:chgData name="Alexis Guérard" userId="a462f36d-9f2d-47f3-9698-bbe82ca34092" providerId="ADAL" clId="{3ED0E730-8621-4DB1-9A90-250D8258627D}" dt="2026-01-26T18:54:35.409" v="1115" actId="1076"/>
+          <ac:picMkLst>
+            <pc:docMk/>
+            <pc:sldMk cId="1905596405" sldId="268"/>
+            <ac:picMk id="6" creationId="{24E3B44C-128E-880F-267F-194A55580057}"/>
+          </ac:picMkLst>
+        </pc:picChg>
+        <pc:picChg chg="del">
+          <ac:chgData name="Alexis Guérard" userId="a462f36d-9f2d-47f3-9698-bbe82ca34092" providerId="ADAL" clId="{3ED0E730-8621-4DB1-9A90-250D8258627D}" dt="2026-01-26T18:53:18.599" v="1090" actId="478"/>
+          <ac:picMkLst>
+            <pc:docMk/>
+            <pc:sldMk cId="1905596405" sldId="268"/>
+            <ac:picMk id="8" creationId="{4BD33264-4D94-C30D-19B7-5C5EB6CDCE2B}"/>
+          </ac:picMkLst>
+        </pc:picChg>
+        <pc:picChg chg="add mod">
+          <ac:chgData name="Alexis Guérard" userId="a462f36d-9f2d-47f3-9698-bbe82ca34092" providerId="ADAL" clId="{3ED0E730-8621-4DB1-9A90-250D8258627D}" dt="2026-01-26T18:54:41.336" v="1117" actId="1076"/>
+          <ac:picMkLst>
+            <pc:docMk/>
+            <pc:sldMk cId="1905596405" sldId="268"/>
+            <ac:picMk id="9" creationId="{89540C21-DF77-720A-74A8-62A1C5E20FB4}"/>
+          </ac:picMkLst>
+        </pc:picChg>
+      </pc:sldChg>
+      <pc:sldChg chg="add del">
+        <pc:chgData name="Alexis Guérard" userId="a462f36d-9f2d-47f3-9698-bbe82ca34092" providerId="ADAL" clId="{3ED0E730-8621-4DB1-9A90-250D8258627D}" dt="2026-01-26T18:48:00.971" v="1021" actId="47"/>
+        <pc:sldMkLst>
+          <pc:docMk/>
+          <pc:sldMk cId="3844759798" sldId="268"/>
+        </pc:sldMkLst>
+      </pc:sldChg>
+      <pc:sldChg chg="addSp delSp modSp add mod modNotesTx">
+        <pc:chgData name="Alexis Guérard" userId="a462f36d-9f2d-47f3-9698-bbe82ca34092" providerId="ADAL" clId="{3ED0E730-8621-4DB1-9A90-250D8258627D}" dt="2026-01-26T20:03:36.521" v="1425" actId="33524"/>
+        <pc:sldMkLst>
+          <pc:docMk/>
+          <pc:sldMk cId="1993343809" sldId="269"/>
+        </pc:sldMkLst>
+        <pc:spChg chg="del">
+          <ac:chgData name="Alexis Guérard" userId="a462f36d-9f2d-47f3-9698-bbe82ca34092" providerId="ADAL" clId="{3ED0E730-8621-4DB1-9A90-250D8258627D}" dt="2026-01-26T19:46:59.125" v="1293" actId="478"/>
+          <ac:spMkLst>
+            <pc:docMk/>
+            <pc:sldMk cId="1993343809" sldId="269"/>
+            <ac:spMk id="3" creationId="{2797B2F9-9A43-795A-82BE-CEDE0CE65E1D}"/>
+          </ac:spMkLst>
+        </pc:spChg>
+        <pc:spChg chg="add del mod">
+          <ac:chgData name="Alexis Guérard" userId="a462f36d-9f2d-47f3-9698-bbe82ca34092" providerId="ADAL" clId="{3ED0E730-8621-4DB1-9A90-250D8258627D}" dt="2026-01-26T20:01:48.208" v="1306" actId="478"/>
+          <ac:spMkLst>
+            <pc:docMk/>
+            <pc:sldMk cId="1993343809" sldId="269"/>
+            <ac:spMk id="5" creationId="{8F7E6420-D3EC-1221-7F69-480A56F72022}"/>
+          </ac:spMkLst>
+        </pc:spChg>
+        <pc:picChg chg="del">
+          <ac:chgData name="Alexis Guérard" userId="a462f36d-9f2d-47f3-9698-bbe82ca34092" providerId="ADAL" clId="{3ED0E730-8621-4DB1-9A90-250D8258627D}" dt="2026-01-26T19:46:57.925" v="1292" actId="478"/>
+          <ac:picMkLst>
+            <pc:docMk/>
+            <pc:sldMk cId="1993343809" sldId="269"/>
+            <ac:picMk id="7" creationId="{1B6C58C7-D158-D0A7-1C70-AD86EB984B71}"/>
+          </ac:picMkLst>
+        </pc:picChg>
+        <pc:picChg chg="add del mod">
+          <ac:chgData name="Alexis Guérard" userId="a462f36d-9f2d-47f3-9698-bbe82ca34092" providerId="ADAL" clId="{3ED0E730-8621-4DB1-9A90-250D8258627D}" dt="2026-01-26T20:02:08.623" v="1310" actId="478"/>
+          <ac:picMkLst>
+            <pc:docMk/>
+            <pc:sldMk cId="1993343809" sldId="269"/>
+            <ac:picMk id="8" creationId="{F593032D-6E43-760D-01AA-EFD9258F081C}"/>
+          </ac:picMkLst>
+        </pc:picChg>
+        <pc:picChg chg="add mod">
+          <ac:chgData name="Alexis Guérard" userId="a462f36d-9f2d-47f3-9698-bbe82ca34092" providerId="ADAL" clId="{3ED0E730-8621-4DB1-9A90-250D8258627D}" dt="2026-01-26T20:01:51.408" v="1309" actId="1076"/>
+          <ac:picMkLst>
+            <pc:docMk/>
+            <pc:sldMk cId="1993343809" sldId="269"/>
+            <ac:picMk id="10" creationId="{D56F71B3-BBF2-17E4-7D3A-8B26654B10C6}"/>
+          </ac:picMkLst>
+        </pc:picChg>
+        <pc:picChg chg="add mod">
+          <ac:chgData name="Alexis Guérard" userId="a462f36d-9f2d-47f3-9698-bbe82ca34092" providerId="ADAL" clId="{3ED0E730-8621-4DB1-9A90-250D8258627D}" dt="2026-01-26T20:02:15.672" v="1315" actId="1076"/>
+          <ac:picMkLst>
+            <pc:docMk/>
+            <pc:sldMk cId="1993343809" sldId="269"/>
+            <ac:picMk id="12" creationId="{434C9AAA-DDE3-D264-6623-7FF6B4652954}"/>
+          </ac:picMkLst>
+        </pc:picChg>
+      </pc:sldChg>
+      <pc:sldChg chg="delSp add mod">
+        <pc:chgData name="Alexis Guérard" userId="a462f36d-9f2d-47f3-9698-bbe82ca34092" providerId="ADAL" clId="{3ED0E730-8621-4DB1-9A90-250D8258627D}" dt="2026-01-26T20:05:58.372" v="1428" actId="478"/>
+        <pc:sldMkLst>
+          <pc:docMk/>
+          <pc:sldMk cId="1128446326" sldId="270"/>
+        </pc:sldMkLst>
+        <pc:picChg chg="del">
+          <ac:chgData name="Alexis Guérard" userId="a462f36d-9f2d-47f3-9698-bbe82ca34092" providerId="ADAL" clId="{3ED0E730-8621-4DB1-9A90-250D8258627D}" dt="2026-01-26T20:05:58.372" v="1428" actId="478"/>
+          <ac:picMkLst>
+            <pc:docMk/>
+            <pc:sldMk cId="1128446326" sldId="270"/>
+            <ac:picMk id="6" creationId="{E49E2650-8B12-8B84-9CA2-AC97BE4C367C}"/>
+          </ac:picMkLst>
+        </pc:picChg>
+      </pc:sldChg>
+      <pc:sldChg chg="add del">
+        <pc:chgData name="Alexis Guérard" userId="a462f36d-9f2d-47f3-9698-bbe82ca34092" providerId="ADAL" clId="{3ED0E730-8621-4DB1-9A90-250D8258627D}" dt="2026-01-26T19:47:06.146" v="1296"/>
+        <pc:sldMkLst>
+          <pc:docMk/>
+          <pc:sldMk cId="1726772969" sldId="270"/>
+        </pc:sldMkLst>
+      </pc:sldChg>
+      <pc:sldChg chg="delSp add mod">
+        <pc:chgData name="Alexis Guérard" userId="a462f36d-9f2d-47f3-9698-bbe82ca34092" providerId="ADAL" clId="{3ED0E730-8621-4DB1-9A90-250D8258627D}" dt="2026-01-26T20:05:59.648" v="1429" actId="478"/>
+        <pc:sldMkLst>
+          <pc:docMk/>
+          <pc:sldMk cId="1523695473" sldId="271"/>
+        </pc:sldMkLst>
+        <pc:picChg chg="del">
+          <ac:chgData name="Alexis Guérard" userId="a462f36d-9f2d-47f3-9698-bbe82ca34092" providerId="ADAL" clId="{3ED0E730-8621-4DB1-9A90-250D8258627D}" dt="2026-01-26T20:05:59.648" v="1429" actId="478"/>
+          <ac:picMkLst>
+            <pc:docMk/>
+            <pc:sldMk cId="1523695473" sldId="271"/>
+            <ac:picMk id="6" creationId="{D956FE25-3E43-5FBF-9241-4B49CB2DE351}"/>
+          </ac:picMkLst>
+        </pc:picChg>
       </pc:sldChg>
       <pc:sldMasterChg chg="modSp mod delSldLayout modSldLayout sldLayoutOrd">
         <pc:chgData name="Alexis Guérard" userId="a462f36d-9f2d-47f3-9698-bbe82ca34092" providerId="ADAL" clId="{3ED0E730-8621-4DB1-9A90-250D8258627D}" dt="2026-01-25T15:10:14.955" v="299"/>
@@ -666,6 +992,30 @@
       </pc:sldMasterChg>
     </pc:docChg>
   </pc:docChgLst>
+  <pc:docChgLst>
+    <pc:chgData name="Zachari Gervais" userId="S::gerz0501@usherbrooke.ca::5b803111-df65-4de8-ab16-df297d5469e7" providerId="AD" clId="Web-{EF836AFE-8E89-4937-CD06-0FB6AB589649}"/>
+    <pc:docChg chg="modSld">
+      <pc:chgData name="Zachari Gervais" userId="S::gerz0501@usherbrooke.ca::5b803111-df65-4de8-ab16-df297d5469e7" providerId="AD" clId="Web-{EF836AFE-8E89-4937-CD06-0FB6AB589649}" dt="2026-01-26T20:09:27.895" v="4" actId="20577"/>
+      <pc:docMkLst>
+        <pc:docMk/>
+      </pc:docMkLst>
+      <pc:sldChg chg="modSp">
+        <pc:chgData name="Zachari Gervais" userId="S::gerz0501@usherbrooke.ca::5b803111-df65-4de8-ab16-df297d5469e7" providerId="AD" clId="Web-{EF836AFE-8E89-4937-CD06-0FB6AB589649}" dt="2026-01-26T20:09:27.895" v="4" actId="20577"/>
+        <pc:sldMkLst>
+          <pc:docMk/>
+          <pc:sldMk cId="241055227" sldId="257"/>
+        </pc:sldMkLst>
+        <pc:spChg chg="mod">
+          <ac:chgData name="Zachari Gervais" userId="S::gerz0501@usherbrooke.ca::5b803111-df65-4de8-ab16-df297d5469e7" providerId="AD" clId="Web-{EF836AFE-8E89-4937-CD06-0FB6AB589649}" dt="2026-01-26T20:09:27.895" v="4" actId="20577"/>
+          <ac:spMkLst>
+            <pc:docMk/>
+            <pc:sldMk cId="241055227" sldId="257"/>
+            <ac:spMk id="3" creationId="{0988953F-1F0F-A002-B486-8ADBCBB13463}"/>
+          </ac:spMkLst>
+        </pc:spChg>
+      </pc:sldChg>
+    </pc:docChg>
+  </pc:docChgLst>
 </pc:chgInfo>
 </file>
 
@@ -751,7 +1101,7 @@
           <a:p>
             <a:fld id="{E1BC590A-9562-4AD9-A3BF-7FE17078030D}" type="datetimeFigureOut">
               <a:rPr lang="fr-CA" smtClean="0"/>
-              <a:t>2026-01-25</a:t>
+              <a:t>2026-01-26</a:t>
             </a:fld>
             <a:endParaRPr lang="fr-CA"/>
           </a:p>
@@ -909,7 +1259,7 @@
           <a:p>
             <a:fld id="{4E163612-0B4A-4F97-A0C6-CF2AEB2E44FF}" type="slidenum">
               <a:rPr lang="fr-CA" smtClean="0"/>
-              <a:t>‹n°›</a:t>
+              <a:t>‹#›</a:t>
             </a:fld>
             <a:endParaRPr lang="fr-CA"/>
           </a:p>
@@ -1018,6 +1368,1174 @@
 </p:notesMaster>
 </file>
 
+<file path=ppt/notesSlides/notesSlide1.xml><?xml version="1.0" encoding="utf-8"?>
+<p:notes xmlns:a="http://schemas.openxmlformats.org/drawingml/2006/main" xmlns:r="http://schemas.openxmlformats.org/officeDocument/2006/relationships" xmlns:p="http://schemas.openxmlformats.org/presentationml/2006/main">
+  <p:cSld>
+    <p:spTree>
+      <p:nvGrpSpPr>
+        <p:cNvPr id="1" name=""/>
+        <p:cNvGrpSpPr/>
+        <p:nvPr/>
+      </p:nvGrpSpPr>
+      <p:grpSpPr>
+        <a:xfrm>
+          <a:off x="0" y="0"/>
+          <a:ext cx="0" cy="0"/>
+          <a:chOff x="0" y="0"/>
+          <a:chExt cx="0" cy="0"/>
+        </a:xfrm>
+      </p:grpSpPr>
+      <p:sp>
+        <p:nvSpPr>
+          <p:cNvPr id="2" name="Espace réservé de l'image de diapositive 1"/>
+          <p:cNvSpPr>
+            <a:spLocks noGrp="1" noRot="1" noChangeAspect="1"/>
+          </p:cNvSpPr>
+          <p:nvPr>
+            <p:ph type="sldImg"/>
+          </p:nvPr>
+        </p:nvSpPr>
+        <p:spPr/>
+      </p:sp>
+      <p:sp>
+        <p:nvSpPr>
+          <p:cNvPr id="3" name="Espace réservé des notes 2"/>
+          <p:cNvSpPr>
+            <a:spLocks noGrp="1"/>
+          </p:cNvSpPr>
+          <p:nvPr>
+            <p:ph type="body" idx="1"/>
+          </p:nvPr>
+        </p:nvSpPr>
+        <p:spPr/>
+        <p:txBody>
+          <a:bodyPr/>
+          <a:lstStyle/>
+          <a:p>
+            <a:r>
+              <a:rPr lang="fr-CA" sz="1200" b="1" i="0" kern="1200">
+                <a:solidFill>
+                  <a:schemeClr val="tx1"/>
+                </a:solidFill>
+                <a:effectLst/>
+                <a:latin typeface="+mn-lt"/>
+                <a:ea typeface="+mn-ea"/>
+                <a:cs typeface="+mn-cs"/>
+              </a:rPr>
+              <a:t>Diapo 1 : Choix du système expert</a:t>
+            </a:r>
+            <a:endParaRPr lang="fr-CA" sz="1200" b="0" i="0" kern="1200">
+              <a:solidFill>
+                <a:schemeClr val="tx1"/>
+              </a:solidFill>
+              <a:effectLst/>
+              <a:latin typeface="+mn-lt"/>
+              <a:ea typeface="+mn-ea"/>
+              <a:cs typeface="+mn-cs"/>
+            </a:endParaRPr>
+          </a:p>
+          <a:p>
+            <a:r>
+              <a:rPr lang="fr-CA" sz="1200" b="0" i="0" kern="1200">
+                <a:solidFill>
+                  <a:schemeClr val="tx1"/>
+                </a:solidFill>
+                <a:effectLst/>
+                <a:latin typeface="+mn-lt"/>
+                <a:ea typeface="+mn-ea"/>
+                <a:cs typeface="+mn-cs"/>
+              </a:rPr>
+              <a:t>Je présente un schéma avec deux blocs : un contrôleur et un système expert.</a:t>
+            </a:r>
+            <a:br>
+              <a:rPr lang="fr-CA" sz="1200" b="0" i="0" kern="1200">
+                <a:solidFill>
+                  <a:schemeClr val="tx1"/>
+                </a:solidFill>
+                <a:effectLst/>
+                <a:latin typeface="+mn-lt"/>
+                <a:ea typeface="+mn-ea"/>
+                <a:cs typeface="+mn-cs"/>
+              </a:rPr>
+            </a:br>
+            <a:r>
+              <a:rPr lang="fr-CA" sz="1200" b="0" i="0" kern="1200">
+                <a:solidFill>
+                  <a:schemeClr val="tx1"/>
+                </a:solidFill>
+                <a:effectLst/>
+                <a:latin typeface="+mn-lt"/>
+                <a:ea typeface="+mn-ea"/>
+                <a:cs typeface="+mn-cs"/>
+              </a:rPr>
+              <a:t>Nous avons choisi d’utiliser une technique d’IA basée sur la logique du premier ordre pour résoudre l’énigme de la porte, car ce type de logique est idéal pour définir des règles et trouver des solutions à partir de faits, ce qui correspond parfaitement à notre problème.</a:t>
+            </a:r>
+            <a:br>
+              <a:rPr lang="fr-CA" sz="1200" b="0" i="0" kern="1200">
+                <a:solidFill>
+                  <a:schemeClr val="tx1"/>
+                </a:solidFill>
+                <a:effectLst/>
+                <a:latin typeface="+mn-lt"/>
+                <a:ea typeface="+mn-ea"/>
+                <a:cs typeface="+mn-cs"/>
+              </a:rPr>
+            </a:br>
+            <a:r>
+              <a:rPr lang="fr-CA" sz="1200" b="0" i="0" kern="1200">
+                <a:solidFill>
+                  <a:schemeClr val="tx1"/>
+                </a:solidFill>
+                <a:effectLst/>
+                <a:latin typeface="+mn-lt"/>
+                <a:ea typeface="+mn-ea"/>
+                <a:cs typeface="+mn-cs"/>
+              </a:rPr>
+              <a:t>Prolog s’est imposé comme choix naturel, car il permet d’exprimer les règles de manière claire et directe. Donc choisi de l’implémenter dans cette partie là.</a:t>
+            </a:r>
+            <a:br>
+              <a:rPr lang="fr-CA" sz="1200" b="0" i="0" kern="1200">
+                <a:solidFill>
+                  <a:schemeClr val="tx1"/>
+                </a:solidFill>
+                <a:effectLst/>
+                <a:latin typeface="+mn-lt"/>
+                <a:ea typeface="+mn-ea"/>
+                <a:cs typeface="+mn-cs"/>
+              </a:rPr>
+            </a:br>
+            <a:r>
+              <a:rPr lang="fr-CA" sz="1200" b="0" i="0" kern="1200">
+                <a:solidFill>
+                  <a:schemeClr val="tx1"/>
+                </a:solidFill>
+                <a:effectLst/>
+                <a:latin typeface="+mn-lt"/>
+                <a:ea typeface="+mn-ea"/>
+                <a:cs typeface="+mn-cs"/>
+              </a:rPr>
+              <a:t>Pour l’intégration avec Python, nous utilisons la bibliothèque </a:t>
+            </a:r>
+            <a:r>
+              <a:rPr lang="fr-CA" sz="1200" b="0" i="0" kern="1200" err="1">
+                <a:solidFill>
+                  <a:schemeClr val="tx1"/>
+                </a:solidFill>
+                <a:effectLst/>
+                <a:latin typeface="+mn-lt"/>
+                <a:ea typeface="+mn-ea"/>
+                <a:cs typeface="+mn-cs"/>
+              </a:rPr>
+              <a:t>swiplserver</a:t>
+            </a:r>
+            <a:r>
+              <a:rPr lang="fr-CA" sz="1200" b="0" i="0" kern="1200">
+                <a:solidFill>
+                  <a:schemeClr val="tx1"/>
+                </a:solidFill>
+                <a:effectLst/>
+                <a:latin typeface="+mn-lt"/>
+                <a:ea typeface="+mn-ea"/>
+                <a:cs typeface="+mn-cs"/>
+              </a:rPr>
+              <a:t>, qui facilite la communication entre le code Python et le moteur Prolog. (Comme dans le labo)</a:t>
+            </a:r>
+          </a:p>
+          <a:p>
+            <a:endParaRPr lang="fr-CA"/>
+          </a:p>
+        </p:txBody>
+      </p:sp>
+      <p:sp>
+        <p:nvSpPr>
+          <p:cNvPr id="4" name="Espace réservé du numéro de diapositive 3"/>
+          <p:cNvSpPr>
+            <a:spLocks noGrp="1"/>
+          </p:cNvSpPr>
+          <p:nvPr>
+            <p:ph type="sldNum" sz="quarter" idx="5"/>
+          </p:nvPr>
+        </p:nvSpPr>
+        <p:spPr/>
+        <p:txBody>
+          <a:bodyPr/>
+          <a:lstStyle/>
+          <a:p>
+            <a:fld id="{4E163612-0B4A-4F97-A0C6-CF2AEB2E44FF}" type="slidenum">
+              <a:rPr lang="fr-CA" smtClean="0"/>
+              <a:t>3</a:t>
+            </a:fld>
+            <a:endParaRPr lang="fr-CA"/>
+          </a:p>
+        </p:txBody>
+      </p:sp>
+    </p:spTree>
+    <p:extLst>
+      <p:ext uri="{BB962C8B-B14F-4D97-AF65-F5344CB8AC3E}">
+        <p14:creationId xmlns:p14="http://schemas.microsoft.com/office/powerpoint/2010/main" val="3893187362"/>
+      </p:ext>
+    </p:extLst>
+  </p:cSld>
+  <p:clrMapOvr>
+    <a:masterClrMapping/>
+  </p:clrMapOvr>
+</p:notes>
+</file>
+
+<file path=ppt/notesSlides/notesSlide2.xml><?xml version="1.0" encoding="utf-8"?>
+<p:notes xmlns:a="http://schemas.openxmlformats.org/drawingml/2006/main" xmlns:r="http://schemas.openxmlformats.org/officeDocument/2006/relationships" xmlns:p="http://schemas.openxmlformats.org/presentationml/2006/main">
+  <p:cSld>
+    <p:spTree>
+      <p:nvGrpSpPr>
+        <p:cNvPr id="1" name=""/>
+        <p:cNvGrpSpPr/>
+        <p:nvPr/>
+      </p:nvGrpSpPr>
+      <p:grpSpPr>
+        <a:xfrm>
+          <a:off x="0" y="0"/>
+          <a:ext cx="0" cy="0"/>
+          <a:chOff x="0" y="0"/>
+          <a:chExt cx="0" cy="0"/>
+        </a:xfrm>
+      </p:grpSpPr>
+      <p:sp>
+        <p:nvSpPr>
+          <p:cNvPr id="2" name="Espace réservé de l'image de diapositive 1"/>
+          <p:cNvSpPr>
+            <a:spLocks noGrp="1" noRot="1" noChangeAspect="1"/>
+          </p:cNvSpPr>
+          <p:nvPr>
+            <p:ph type="sldImg"/>
+          </p:nvPr>
+        </p:nvSpPr>
+        <p:spPr/>
+      </p:sp>
+      <p:sp>
+        <p:nvSpPr>
+          <p:cNvPr id="3" name="Espace réservé des notes 2"/>
+          <p:cNvSpPr>
+            <a:spLocks noGrp="1"/>
+          </p:cNvSpPr>
+          <p:nvPr>
+            <p:ph type="body" idx="1"/>
+          </p:nvPr>
+        </p:nvSpPr>
+        <p:spPr/>
+        <p:txBody>
+          <a:bodyPr/>
+          <a:lstStyle/>
+          <a:p>
+            <a:r>
+              <a:rPr lang="fr-CA" sz="1200" b="1" i="0" kern="1200">
+                <a:solidFill>
+                  <a:schemeClr val="tx1"/>
+                </a:solidFill>
+                <a:effectLst/>
+                <a:latin typeface="+mn-lt"/>
+                <a:ea typeface="+mn-ea"/>
+                <a:cs typeface="+mn-cs"/>
+              </a:rPr>
+              <a:t>Diapo 2 : Fonctions utilitaires Prolog</a:t>
+            </a:r>
+            <a:endParaRPr lang="fr-CA" sz="1200" b="0" i="0" kern="1200">
+              <a:solidFill>
+                <a:schemeClr val="tx1"/>
+              </a:solidFill>
+              <a:effectLst/>
+              <a:latin typeface="+mn-lt"/>
+              <a:ea typeface="+mn-ea"/>
+              <a:cs typeface="+mn-cs"/>
+            </a:endParaRPr>
+          </a:p>
+          <a:p>
+            <a:r>
+              <a:rPr lang="fr-CA" sz="1200" b="0" i="0" kern="1200">
+                <a:solidFill>
+                  <a:schemeClr val="tx1"/>
+                </a:solidFill>
+                <a:effectLst/>
+                <a:latin typeface="+mn-lt"/>
+                <a:ea typeface="+mn-ea"/>
+                <a:cs typeface="+mn-cs"/>
+              </a:rPr>
+              <a:t>Je présente ensuite nos fonctions utilitaires en Prolog :</a:t>
+            </a:r>
+          </a:p>
+          <a:p>
+            <a:r>
+              <a:rPr lang="fr-CA" sz="1200" b="0" i="0" kern="1200">
+                <a:solidFill>
+                  <a:schemeClr val="tx1"/>
+                </a:solidFill>
+                <a:effectLst/>
+                <a:latin typeface="+mn-lt"/>
+                <a:ea typeface="+mn-ea"/>
+                <a:cs typeface="+mn-cs"/>
+              </a:rPr>
+              <a:t>longueur : vue au laboratoire 1, elle permet de calculer le nombre d’éléments dans une liste.</a:t>
+            </a:r>
+          </a:p>
+          <a:p>
+            <a:r>
+              <a:rPr lang="fr-CA" sz="1200" b="0" i="0" kern="1200">
+                <a:solidFill>
+                  <a:schemeClr val="tx1"/>
+                </a:solidFill>
+                <a:effectLst/>
+                <a:latin typeface="+mn-lt"/>
+                <a:ea typeface="+mn-ea"/>
+                <a:cs typeface="+mn-cs"/>
+              </a:rPr>
+              <a:t>filtrer : elle retire les éléments vides ('') de la liste, car on en reçoit parfois lors de l’extraction des états de porte.</a:t>
+            </a:r>
+          </a:p>
+          <a:p>
+            <a:r>
+              <a:rPr lang="fr-CA" sz="1200" b="0" i="0" kern="1200" err="1">
+                <a:solidFill>
+                  <a:schemeClr val="tx1"/>
+                </a:solidFill>
+                <a:effectLst/>
+                <a:latin typeface="+mn-lt"/>
+                <a:ea typeface="+mn-ea"/>
+                <a:cs typeface="+mn-cs"/>
+              </a:rPr>
+              <a:t>compter_occurences</a:t>
+            </a:r>
+            <a:r>
+              <a:rPr lang="fr-CA" sz="1200" b="0" i="0" kern="1200">
+                <a:solidFill>
+                  <a:schemeClr val="tx1"/>
+                </a:solidFill>
+                <a:effectLst/>
+                <a:latin typeface="+mn-lt"/>
+                <a:ea typeface="+mn-ea"/>
+                <a:cs typeface="+mn-cs"/>
+              </a:rPr>
+              <a:t> : utilise </a:t>
+            </a:r>
+            <a:r>
+              <a:rPr lang="fr-CA" sz="1200" b="0" i="0" kern="1200" err="1">
+                <a:solidFill>
+                  <a:schemeClr val="tx1"/>
+                </a:solidFill>
+                <a:effectLst/>
+                <a:latin typeface="+mn-lt"/>
+                <a:ea typeface="+mn-ea"/>
+                <a:cs typeface="+mn-cs"/>
+              </a:rPr>
+              <a:t>findall</a:t>
+            </a:r>
+            <a:r>
+              <a:rPr lang="fr-CA" sz="1200" b="0" i="0" kern="1200">
+                <a:solidFill>
+                  <a:schemeClr val="tx1"/>
+                </a:solidFill>
+                <a:effectLst/>
+                <a:latin typeface="+mn-lt"/>
+                <a:ea typeface="+mn-ea"/>
+                <a:cs typeface="+mn-cs"/>
+              </a:rPr>
+              <a:t> pour récupérer tous les cristaux d’une couleur donnée, puis calcule la longueur de cette liste pour obtenir le nombre de cristaux spécifiques.</a:t>
+            </a:r>
+          </a:p>
+          <a:p>
+            <a:r>
+              <a:rPr lang="fr-CA" sz="1200" b="0" i="0" kern="1200" err="1">
+                <a:solidFill>
+                  <a:schemeClr val="tx1"/>
+                </a:solidFill>
+                <a:effectLst/>
+                <a:latin typeface="+mn-lt"/>
+                <a:ea typeface="+mn-ea"/>
+                <a:cs typeface="+mn-cs"/>
+              </a:rPr>
+              <a:t>dernier_cristal_couleur</a:t>
+            </a:r>
+            <a:r>
+              <a:rPr lang="fr-CA" sz="1200" b="0" i="0" kern="1200">
+                <a:solidFill>
+                  <a:schemeClr val="tx1"/>
+                </a:solidFill>
+                <a:effectLst/>
+                <a:latin typeface="+mn-lt"/>
+                <a:ea typeface="+mn-ea"/>
+                <a:cs typeface="+mn-cs"/>
+              </a:rPr>
+              <a:t> : trouve toutes les positions d’un cristal précis dans la liste grâce à nth1, puis récupère la dernière position avec last.</a:t>
+            </a:r>
+          </a:p>
+          <a:p>
+            <a:endParaRPr lang="fr-CA"/>
+          </a:p>
+        </p:txBody>
+      </p:sp>
+      <p:sp>
+        <p:nvSpPr>
+          <p:cNvPr id="4" name="Espace réservé du numéro de diapositive 3"/>
+          <p:cNvSpPr>
+            <a:spLocks noGrp="1"/>
+          </p:cNvSpPr>
+          <p:nvPr>
+            <p:ph type="sldNum" sz="quarter" idx="5"/>
+          </p:nvPr>
+        </p:nvSpPr>
+        <p:spPr/>
+        <p:txBody>
+          <a:bodyPr/>
+          <a:lstStyle/>
+          <a:p>
+            <a:fld id="{4E163612-0B4A-4F97-A0C6-CF2AEB2E44FF}" type="slidenum">
+              <a:rPr lang="fr-CA" smtClean="0"/>
+              <a:t>4</a:t>
+            </a:fld>
+            <a:endParaRPr lang="fr-CA"/>
+          </a:p>
+        </p:txBody>
+      </p:sp>
+    </p:spTree>
+    <p:extLst>
+      <p:ext uri="{BB962C8B-B14F-4D97-AF65-F5344CB8AC3E}">
+        <p14:creationId xmlns:p14="http://schemas.microsoft.com/office/powerpoint/2010/main" val="1305359233"/>
+      </p:ext>
+    </p:extLst>
+  </p:cSld>
+  <p:clrMapOvr>
+    <a:masterClrMapping/>
+  </p:clrMapOvr>
+</p:notes>
+</file>
+
+<file path=ppt/notesSlides/notesSlide3.xml><?xml version="1.0" encoding="utf-8"?>
+<p:notes xmlns:a="http://schemas.openxmlformats.org/drawingml/2006/main" xmlns:r="http://schemas.openxmlformats.org/officeDocument/2006/relationships" xmlns:p="http://schemas.openxmlformats.org/presentationml/2006/main">
+  <p:cSld>
+    <p:spTree>
+      <p:nvGrpSpPr>
+        <p:cNvPr id="1" name=""/>
+        <p:cNvGrpSpPr/>
+        <p:nvPr/>
+      </p:nvGrpSpPr>
+      <p:grpSpPr>
+        <a:xfrm>
+          <a:off x="0" y="0"/>
+          <a:ext cx="0" cy="0"/>
+          <a:chOff x="0" y="0"/>
+          <a:chExt cx="0" cy="0"/>
+        </a:xfrm>
+      </p:grpSpPr>
+      <p:sp>
+        <p:nvSpPr>
+          <p:cNvPr id="2" name="Espace réservé de l'image de diapositive 1"/>
+          <p:cNvSpPr>
+            <a:spLocks noGrp="1" noRot="1" noChangeAspect="1"/>
+          </p:cNvSpPr>
+          <p:nvPr>
+            <p:ph type="sldImg"/>
+          </p:nvPr>
+        </p:nvSpPr>
+        <p:spPr/>
+      </p:sp>
+      <p:sp>
+        <p:nvSpPr>
+          <p:cNvPr id="3" name="Espace réservé des notes 2"/>
+          <p:cNvSpPr>
+            <a:spLocks noGrp="1"/>
+          </p:cNvSpPr>
+          <p:nvPr>
+            <p:ph type="body" idx="1"/>
+          </p:nvPr>
+        </p:nvSpPr>
+        <p:spPr/>
+        <p:txBody>
+          <a:bodyPr/>
+          <a:lstStyle/>
+          <a:p>
+            <a:r>
+              <a:rPr lang="fr-CA" sz="1200" b="1" i="0" kern="1200">
+                <a:solidFill>
+                  <a:schemeClr val="tx1"/>
+                </a:solidFill>
+                <a:effectLst/>
+                <a:latin typeface="+mn-lt"/>
+                <a:ea typeface="+mn-ea"/>
+                <a:cs typeface="+mn-cs"/>
+              </a:rPr>
+              <a:t>Diapo 3 : Fonction principale de résolution</a:t>
+            </a:r>
+            <a:endParaRPr lang="fr-CA" sz="1200" b="0" i="0" kern="1200">
+              <a:solidFill>
+                <a:schemeClr val="tx1"/>
+              </a:solidFill>
+              <a:effectLst/>
+              <a:latin typeface="+mn-lt"/>
+              <a:ea typeface="+mn-ea"/>
+              <a:cs typeface="+mn-cs"/>
+            </a:endParaRPr>
+          </a:p>
+          <a:p>
+            <a:r>
+              <a:rPr lang="fr-CA" sz="1200" b="0" i="0" kern="1200">
+                <a:solidFill>
+                  <a:schemeClr val="tx1"/>
+                </a:solidFill>
+                <a:effectLst/>
+                <a:latin typeface="+mn-lt"/>
+                <a:ea typeface="+mn-ea"/>
+                <a:cs typeface="+mn-cs"/>
+              </a:rPr>
+              <a:t>Je montre la fonction </a:t>
+            </a:r>
+            <a:r>
+              <a:rPr lang="fr-CA" sz="1200" b="0" i="0" kern="1200" err="1">
+                <a:solidFill>
+                  <a:schemeClr val="tx1"/>
+                </a:solidFill>
+                <a:effectLst/>
+                <a:latin typeface="+mn-lt"/>
+                <a:ea typeface="+mn-ea"/>
+                <a:cs typeface="+mn-cs"/>
+              </a:rPr>
+              <a:t>resoudre_porte</a:t>
+            </a:r>
+            <a:r>
+              <a:rPr lang="fr-CA" sz="1200" b="0" i="0" kern="1200">
+                <a:solidFill>
+                  <a:schemeClr val="tx1"/>
+                </a:solidFill>
+                <a:effectLst/>
+                <a:latin typeface="+mn-lt"/>
+                <a:ea typeface="+mn-ea"/>
+                <a:cs typeface="+mn-cs"/>
+              </a:rPr>
+              <a:t> et j’explique que, côté Python, on procède comme au laboratoire :</a:t>
+            </a:r>
+            <a:br>
+              <a:rPr lang="fr-CA" sz="1200" b="0" i="0" kern="1200">
+                <a:solidFill>
+                  <a:schemeClr val="tx1"/>
+                </a:solidFill>
+                <a:effectLst/>
+                <a:latin typeface="+mn-lt"/>
+                <a:ea typeface="+mn-ea"/>
+                <a:cs typeface="+mn-cs"/>
+              </a:rPr>
+            </a:br>
+            <a:r>
+              <a:rPr lang="fr-CA" sz="1200" b="0" i="0" kern="1200">
+                <a:solidFill>
+                  <a:schemeClr val="tx1"/>
+                </a:solidFill>
+                <a:effectLst/>
+                <a:latin typeface="+mn-lt"/>
+                <a:ea typeface="+mn-ea"/>
+                <a:cs typeface="+mn-cs"/>
+              </a:rPr>
+              <a:t>On crée une requête pour charger le fichier Prolog, puis on envoie directement la liste obtenue via </a:t>
+            </a:r>
+            <a:r>
+              <a:rPr lang="fr-CA" sz="1200" b="0" i="0" kern="1200" err="1">
+                <a:solidFill>
+                  <a:schemeClr val="tx1"/>
+                </a:solidFill>
+                <a:effectLst/>
+                <a:latin typeface="+mn-lt"/>
+                <a:ea typeface="+mn-ea"/>
+                <a:cs typeface="+mn-cs"/>
+              </a:rPr>
+              <a:t>maze.look_at_door</a:t>
+            </a:r>
+            <a:r>
+              <a:rPr lang="fr-CA" sz="1200" b="0" i="0" kern="1200">
+                <a:solidFill>
+                  <a:schemeClr val="tx1"/>
+                </a:solidFill>
+                <a:effectLst/>
+                <a:latin typeface="+mn-lt"/>
+                <a:ea typeface="+mn-ea"/>
+                <a:cs typeface="+mn-cs"/>
+              </a:rPr>
+              <a:t>.</a:t>
+            </a:r>
+            <a:br>
+              <a:rPr lang="fr-CA" sz="1200" b="0" i="0" kern="1200">
+                <a:solidFill>
+                  <a:schemeClr val="tx1"/>
+                </a:solidFill>
+                <a:effectLst/>
+                <a:latin typeface="+mn-lt"/>
+                <a:ea typeface="+mn-ea"/>
+                <a:cs typeface="+mn-cs"/>
+              </a:rPr>
+            </a:br>
+            <a:r>
+              <a:rPr lang="fr-CA" sz="1200" b="0" i="0" kern="1200">
+                <a:solidFill>
+                  <a:schemeClr val="tx1"/>
+                </a:solidFill>
+                <a:effectLst/>
+                <a:latin typeface="+mn-lt"/>
+                <a:ea typeface="+mn-ea"/>
+                <a:cs typeface="+mn-cs"/>
+              </a:rPr>
+              <a:t>On sépare la serrure et les cristaux, on retire les éléments vides, on calcule la longueur de la liste de cristaux, et on appelle la règle Prolog correspondante (</a:t>
+            </a:r>
+            <a:r>
+              <a:rPr lang="fr-CA" sz="1200" b="0" i="0" kern="1200" err="1">
+                <a:solidFill>
+                  <a:schemeClr val="tx1"/>
+                </a:solidFill>
+                <a:effectLst/>
+                <a:latin typeface="+mn-lt"/>
+                <a:ea typeface="+mn-ea"/>
+                <a:cs typeface="+mn-cs"/>
+              </a:rPr>
+              <a:t>resoudre_selon_nombre</a:t>
+            </a:r>
+            <a:r>
+              <a:rPr lang="fr-CA" sz="1200" b="0" i="0" kern="1200">
+                <a:solidFill>
+                  <a:schemeClr val="tx1"/>
+                </a:solidFill>
+                <a:effectLst/>
+                <a:latin typeface="+mn-lt"/>
+                <a:ea typeface="+mn-ea"/>
+                <a:cs typeface="+mn-cs"/>
+              </a:rPr>
+              <a:t>).</a:t>
+            </a:r>
+            <a:br>
+              <a:rPr lang="fr-CA" sz="1200" b="0" i="0" kern="1200">
+                <a:solidFill>
+                  <a:schemeClr val="tx1"/>
+                </a:solidFill>
+                <a:effectLst/>
+                <a:latin typeface="+mn-lt"/>
+                <a:ea typeface="+mn-ea"/>
+                <a:cs typeface="+mn-cs"/>
+              </a:rPr>
+            </a:br>
+            <a:r>
+              <a:rPr lang="fr-CA" sz="1200" b="0" i="0" kern="1200">
+                <a:solidFill>
+                  <a:schemeClr val="tx1"/>
+                </a:solidFill>
+                <a:effectLst/>
+                <a:latin typeface="+mn-lt"/>
+                <a:ea typeface="+mn-ea"/>
+                <a:cs typeface="+mn-cs"/>
+              </a:rPr>
+              <a:t>Exemple de passage de paramètres :</a:t>
+            </a:r>
+          </a:p>
+          <a:p>
+            <a:r>
+              <a:rPr lang="fr-CA" sz="1200" b="0" i="0" kern="1200">
+                <a:solidFill>
+                  <a:schemeClr val="tx1"/>
+                </a:solidFill>
+                <a:effectLst/>
+                <a:latin typeface="+mn-lt"/>
+                <a:ea typeface="+mn-ea"/>
+                <a:cs typeface="+mn-cs"/>
+              </a:rPr>
+              <a:t>["gold", "</a:t>
+            </a:r>
+            <a:r>
+              <a:rPr lang="fr-CA" sz="1200" b="0" i="0" kern="1200" err="1">
+                <a:solidFill>
+                  <a:schemeClr val="tx1"/>
+                </a:solidFill>
+                <a:effectLst/>
+                <a:latin typeface="+mn-lt"/>
+                <a:ea typeface="+mn-ea"/>
+                <a:cs typeface="+mn-cs"/>
+              </a:rPr>
+              <a:t>red</a:t>
+            </a:r>
+            <a:r>
+              <a:rPr lang="fr-CA" sz="1200" b="0" i="0" kern="1200">
+                <a:solidFill>
+                  <a:schemeClr val="tx1"/>
+                </a:solidFill>
+                <a:effectLst/>
+                <a:latin typeface="+mn-lt"/>
+                <a:ea typeface="+mn-ea"/>
+                <a:cs typeface="+mn-cs"/>
+              </a:rPr>
+              <a:t>", "</a:t>
+            </a:r>
+            <a:r>
+              <a:rPr lang="fr-CA" sz="1200" b="0" i="0" kern="1200" err="1">
+                <a:solidFill>
+                  <a:schemeClr val="tx1"/>
+                </a:solidFill>
+                <a:effectLst/>
+                <a:latin typeface="+mn-lt"/>
+                <a:ea typeface="+mn-ea"/>
+                <a:cs typeface="+mn-cs"/>
+              </a:rPr>
+              <a:t>blue</a:t>
+            </a:r>
+            <a:r>
+              <a:rPr lang="fr-CA" sz="1200" b="0" i="0" kern="1200">
+                <a:solidFill>
+                  <a:schemeClr val="tx1"/>
+                </a:solidFill>
+                <a:effectLst/>
+                <a:latin typeface="+mn-lt"/>
+                <a:ea typeface="+mn-ea"/>
+                <a:cs typeface="+mn-cs"/>
+              </a:rPr>
+              <a:t>", "white", "", "", ""]</a:t>
+            </a:r>
+          </a:p>
+          <a:p>
+            <a:r>
+              <a:rPr lang="fr-CA" sz="1200" b="0" i="0" kern="1200">
+                <a:solidFill>
+                  <a:schemeClr val="tx1"/>
+                </a:solidFill>
+                <a:effectLst/>
+                <a:latin typeface="+mn-lt"/>
+                <a:ea typeface="+mn-ea"/>
+                <a:cs typeface="+mn-cs"/>
+              </a:rPr>
+              <a:t>On sépare en ["gold"] et ["</a:t>
+            </a:r>
+            <a:r>
+              <a:rPr lang="fr-CA" sz="1200" b="0" i="0" kern="1200" err="1">
+                <a:solidFill>
+                  <a:schemeClr val="tx1"/>
+                </a:solidFill>
+                <a:effectLst/>
+                <a:latin typeface="+mn-lt"/>
+                <a:ea typeface="+mn-ea"/>
+                <a:cs typeface="+mn-cs"/>
+              </a:rPr>
+              <a:t>red</a:t>
+            </a:r>
+            <a:r>
+              <a:rPr lang="fr-CA" sz="1200" b="0" i="0" kern="1200">
+                <a:solidFill>
+                  <a:schemeClr val="tx1"/>
+                </a:solidFill>
+                <a:effectLst/>
+                <a:latin typeface="+mn-lt"/>
+                <a:ea typeface="+mn-ea"/>
+                <a:cs typeface="+mn-cs"/>
+              </a:rPr>
+              <a:t>", "</a:t>
+            </a:r>
+            <a:r>
+              <a:rPr lang="fr-CA" sz="1200" b="0" i="0" kern="1200" err="1">
+                <a:solidFill>
+                  <a:schemeClr val="tx1"/>
+                </a:solidFill>
+                <a:effectLst/>
+                <a:latin typeface="+mn-lt"/>
+                <a:ea typeface="+mn-ea"/>
+                <a:cs typeface="+mn-cs"/>
+              </a:rPr>
+              <a:t>blue</a:t>
+            </a:r>
+            <a:r>
+              <a:rPr lang="fr-CA" sz="1200" b="0" i="0" kern="1200">
+                <a:solidFill>
+                  <a:schemeClr val="tx1"/>
+                </a:solidFill>
+                <a:effectLst/>
+                <a:latin typeface="+mn-lt"/>
+                <a:ea typeface="+mn-ea"/>
+                <a:cs typeface="+mn-cs"/>
+              </a:rPr>
+              <a:t>", "white"]</a:t>
+            </a:r>
+          </a:p>
+          <a:p>
+            <a:r>
+              <a:rPr lang="fr-CA" sz="1200" b="0" i="0" kern="1200">
+                <a:solidFill>
+                  <a:schemeClr val="tx1"/>
+                </a:solidFill>
+                <a:effectLst/>
+                <a:latin typeface="+mn-lt"/>
+                <a:ea typeface="+mn-ea"/>
+                <a:cs typeface="+mn-cs"/>
+              </a:rPr>
+              <a:t>On calcule la longueur (3) et on appelle la règle pour 3 cristaux.</a:t>
+            </a:r>
+          </a:p>
+          <a:p>
+            <a:endParaRPr lang="fr-CA"/>
+          </a:p>
+          <a:p>
+            <a:endParaRPr lang="fr-CA"/>
+          </a:p>
+        </p:txBody>
+      </p:sp>
+      <p:sp>
+        <p:nvSpPr>
+          <p:cNvPr id="4" name="Espace réservé du numéro de diapositive 3"/>
+          <p:cNvSpPr>
+            <a:spLocks noGrp="1"/>
+          </p:cNvSpPr>
+          <p:nvPr>
+            <p:ph type="sldNum" sz="quarter" idx="5"/>
+          </p:nvPr>
+        </p:nvSpPr>
+        <p:spPr/>
+        <p:txBody>
+          <a:bodyPr/>
+          <a:lstStyle/>
+          <a:p>
+            <a:fld id="{4E163612-0B4A-4F97-A0C6-CF2AEB2E44FF}" type="slidenum">
+              <a:rPr lang="fr-CA" smtClean="0"/>
+              <a:t>5</a:t>
+            </a:fld>
+            <a:endParaRPr lang="fr-CA"/>
+          </a:p>
+        </p:txBody>
+      </p:sp>
+    </p:spTree>
+    <p:extLst>
+      <p:ext uri="{BB962C8B-B14F-4D97-AF65-F5344CB8AC3E}">
+        <p14:creationId xmlns:p14="http://schemas.microsoft.com/office/powerpoint/2010/main" val="3895754136"/>
+      </p:ext>
+    </p:extLst>
+  </p:cSld>
+  <p:clrMapOvr>
+    <a:masterClrMapping/>
+  </p:clrMapOvr>
+</p:notes>
+</file>
+
+<file path=ppt/notesSlides/notesSlide4.xml><?xml version="1.0" encoding="utf-8"?>
+<p:notes xmlns:a="http://schemas.openxmlformats.org/drawingml/2006/main" xmlns:r="http://schemas.openxmlformats.org/officeDocument/2006/relationships" xmlns:p="http://schemas.openxmlformats.org/presentationml/2006/main">
+  <p:cSld>
+    <p:spTree>
+      <p:nvGrpSpPr>
+        <p:cNvPr id="1" name=""/>
+        <p:cNvGrpSpPr/>
+        <p:nvPr/>
+      </p:nvGrpSpPr>
+      <p:grpSpPr>
+        <a:xfrm>
+          <a:off x="0" y="0"/>
+          <a:ext cx="0" cy="0"/>
+          <a:chOff x="0" y="0"/>
+          <a:chExt cx="0" cy="0"/>
+        </a:xfrm>
+      </p:grpSpPr>
+      <p:sp>
+        <p:nvSpPr>
+          <p:cNvPr id="2" name="Espace réservé de l'image de diapositive 1"/>
+          <p:cNvSpPr>
+            <a:spLocks noGrp="1" noRot="1" noChangeAspect="1"/>
+          </p:cNvSpPr>
+          <p:nvPr>
+            <p:ph type="sldImg"/>
+          </p:nvPr>
+        </p:nvSpPr>
+        <p:spPr/>
+      </p:sp>
+      <p:sp>
+        <p:nvSpPr>
+          <p:cNvPr id="3" name="Espace réservé des notes 2"/>
+          <p:cNvSpPr>
+            <a:spLocks noGrp="1"/>
+          </p:cNvSpPr>
+          <p:nvPr>
+            <p:ph type="body" idx="1"/>
+          </p:nvPr>
+        </p:nvSpPr>
+        <p:spPr/>
+        <p:txBody>
+          <a:bodyPr/>
+          <a:lstStyle/>
+          <a:p>
+            <a:r>
+              <a:rPr lang="fr-CA" sz="1200" b="1" i="0" kern="1200">
+                <a:solidFill>
+                  <a:schemeClr val="tx1"/>
+                </a:solidFill>
+                <a:effectLst/>
+                <a:latin typeface="+mn-lt"/>
+                <a:ea typeface="+mn-ea"/>
+                <a:cs typeface="+mn-cs"/>
+              </a:rPr>
+              <a:t>Diapo 4 : Exemple de règles Prolog</a:t>
+            </a:r>
+            <a:endParaRPr lang="fr-CA" sz="1200" b="0" i="0" kern="1200">
+              <a:solidFill>
+                <a:schemeClr val="tx1"/>
+              </a:solidFill>
+              <a:effectLst/>
+              <a:latin typeface="+mn-lt"/>
+              <a:ea typeface="+mn-ea"/>
+              <a:cs typeface="+mn-cs"/>
+            </a:endParaRPr>
+          </a:p>
+          <a:p>
+            <a:r>
+              <a:rPr lang="fr-CA" sz="1200" b="0" i="0" kern="1200">
+                <a:solidFill>
+                  <a:schemeClr val="tx1"/>
+                </a:solidFill>
+                <a:effectLst/>
+                <a:latin typeface="+mn-lt"/>
+                <a:ea typeface="+mn-ea"/>
+                <a:cs typeface="+mn-cs"/>
+              </a:rPr>
+              <a:t>Je montre un exemple de la règle </a:t>
+            </a:r>
+            <a:r>
+              <a:rPr lang="fr-CA" sz="1200" b="0" i="0" kern="1200" err="1">
+                <a:solidFill>
+                  <a:schemeClr val="tx1"/>
+                </a:solidFill>
+                <a:effectLst/>
+                <a:latin typeface="+mn-lt"/>
+                <a:ea typeface="+mn-ea"/>
+                <a:cs typeface="+mn-cs"/>
+              </a:rPr>
+              <a:t>resoudre_selon_nombre</a:t>
+            </a:r>
+            <a:r>
+              <a:rPr lang="fr-CA" sz="1200" b="0" i="0" kern="1200">
+                <a:solidFill>
+                  <a:schemeClr val="tx1"/>
+                </a:solidFill>
+                <a:effectLst/>
+                <a:latin typeface="+mn-lt"/>
+                <a:ea typeface="+mn-ea"/>
+                <a:cs typeface="+mn-cs"/>
+              </a:rPr>
+              <a:t> pour 3 cristaux :</a:t>
+            </a:r>
+          </a:p>
+          <a:p>
+            <a:r>
+              <a:rPr lang="fr-CA" sz="1200" b="0" i="0" kern="1200">
+                <a:solidFill>
+                  <a:schemeClr val="tx1"/>
+                </a:solidFill>
+                <a:effectLst/>
+                <a:latin typeface="+mn-lt"/>
+                <a:ea typeface="+mn-ea"/>
+                <a:cs typeface="+mn-cs"/>
+              </a:rPr>
+              <a:t>S’il n’y a pas de cristal rouge, on retourne la deuxième clé.</a:t>
+            </a:r>
+          </a:p>
+          <a:p>
+            <a:r>
+              <a:rPr lang="fr-CA" sz="1200" b="0" i="0" kern="1200">
+                <a:solidFill>
+                  <a:schemeClr val="tx1"/>
+                </a:solidFill>
+                <a:effectLst/>
+                <a:latin typeface="+mn-lt"/>
+                <a:ea typeface="+mn-ea"/>
+                <a:cs typeface="+mn-cs"/>
+              </a:rPr>
+              <a:t>Sinon, si le dernier cristal est blanc, on retourne la troisième clé.</a:t>
+            </a:r>
+          </a:p>
+          <a:p>
+            <a:r>
+              <a:rPr lang="fr-CA" sz="1200" b="0" i="0" kern="1200">
+                <a:solidFill>
+                  <a:schemeClr val="tx1"/>
+                </a:solidFill>
+                <a:effectLst/>
+                <a:latin typeface="+mn-lt"/>
+                <a:ea typeface="+mn-ea"/>
+                <a:cs typeface="+mn-cs"/>
+              </a:rPr>
+              <a:t>Sinon, s’il y a plus d’un cristal bleu, on retourne la clé correspondant à la position du dernier cristal bleu.</a:t>
+            </a:r>
+          </a:p>
+          <a:p>
+            <a:r>
+              <a:rPr lang="fr-CA" sz="1200" b="0" i="0" kern="1200">
+                <a:solidFill>
+                  <a:schemeClr val="tx1"/>
+                </a:solidFill>
+                <a:effectLst/>
+                <a:latin typeface="+mn-lt"/>
+                <a:ea typeface="+mn-ea"/>
+                <a:cs typeface="+mn-cs"/>
+              </a:rPr>
+              <a:t>Sinon, on retourne la première clé.</a:t>
+            </a:r>
+          </a:p>
+          <a:p>
+            <a:r>
+              <a:rPr lang="fr-CA" sz="1200" b="0" i="0" kern="1200">
+                <a:solidFill>
+                  <a:schemeClr val="tx1"/>
+                </a:solidFill>
+                <a:effectLst/>
+                <a:latin typeface="+mn-lt"/>
+                <a:ea typeface="+mn-ea"/>
+                <a:cs typeface="+mn-cs"/>
+              </a:rPr>
+              <a:t>J’explique aussi l’utilisation de l’opérateur de coupe (!) pour optimiser la recherche : dès qu’une condition est satisfaite, Prolog ne cherche pas plus loin.</a:t>
+            </a:r>
+          </a:p>
+          <a:p>
+            <a:endParaRPr lang="fr-CA"/>
+          </a:p>
+        </p:txBody>
+      </p:sp>
+      <p:sp>
+        <p:nvSpPr>
+          <p:cNvPr id="4" name="Espace réservé du numéro de diapositive 3"/>
+          <p:cNvSpPr>
+            <a:spLocks noGrp="1"/>
+          </p:cNvSpPr>
+          <p:nvPr>
+            <p:ph type="sldNum" sz="quarter" idx="5"/>
+          </p:nvPr>
+        </p:nvSpPr>
+        <p:spPr/>
+        <p:txBody>
+          <a:bodyPr/>
+          <a:lstStyle/>
+          <a:p>
+            <a:fld id="{4E163612-0B4A-4F97-A0C6-CF2AEB2E44FF}" type="slidenum">
+              <a:rPr lang="fr-CA" smtClean="0"/>
+              <a:t>6</a:t>
+            </a:fld>
+            <a:endParaRPr lang="fr-CA"/>
+          </a:p>
+        </p:txBody>
+      </p:sp>
+    </p:spTree>
+    <p:extLst>
+      <p:ext uri="{BB962C8B-B14F-4D97-AF65-F5344CB8AC3E}">
+        <p14:creationId xmlns:p14="http://schemas.microsoft.com/office/powerpoint/2010/main" val="2102515456"/>
+      </p:ext>
+    </p:extLst>
+  </p:cSld>
+  <p:clrMapOvr>
+    <a:masterClrMapping/>
+  </p:clrMapOvr>
+</p:notes>
+</file>
+
+<file path=ppt/notesSlides/notesSlide5.xml><?xml version="1.0" encoding="utf-8"?>
+<p:notes xmlns:a="http://schemas.openxmlformats.org/drawingml/2006/main" xmlns:r="http://schemas.openxmlformats.org/officeDocument/2006/relationships" xmlns:p="http://schemas.openxmlformats.org/presentationml/2006/main">
+  <p:cSld>
+    <p:spTree>
+      <p:nvGrpSpPr>
+        <p:cNvPr id="1" name="">
+          <a:extLst>
+            <a:ext uri="{FF2B5EF4-FFF2-40B4-BE49-F238E27FC236}">
+              <a16:creationId xmlns:a16="http://schemas.microsoft.com/office/drawing/2014/main" id="{3A9BEB9E-DBE5-3328-433F-DA0AE3044FF6}"/>
+            </a:ext>
+          </a:extLst>
+        </p:cNvPr>
+        <p:cNvGrpSpPr/>
+        <p:nvPr/>
+      </p:nvGrpSpPr>
+      <p:grpSpPr>
+        <a:xfrm>
+          <a:off x="0" y="0"/>
+          <a:ext cx="0" cy="0"/>
+          <a:chOff x="0" y="0"/>
+          <a:chExt cx="0" cy="0"/>
+        </a:xfrm>
+      </p:grpSpPr>
+      <p:sp>
+        <p:nvSpPr>
+          <p:cNvPr id="2" name="Espace réservé de l'image de diapositive 1">
+            <a:extLst>
+              <a:ext uri="{FF2B5EF4-FFF2-40B4-BE49-F238E27FC236}">
+                <a16:creationId xmlns:a16="http://schemas.microsoft.com/office/drawing/2014/main" id="{A6979ACC-8CB3-DE9D-DBAB-33224E2840CB}"/>
+              </a:ext>
+            </a:extLst>
+          </p:cNvPr>
+          <p:cNvSpPr>
+            <a:spLocks noGrp="1" noRot="1" noChangeAspect="1"/>
+          </p:cNvSpPr>
+          <p:nvPr>
+            <p:ph type="sldImg"/>
+          </p:nvPr>
+        </p:nvSpPr>
+        <p:spPr/>
+      </p:sp>
+      <p:sp>
+        <p:nvSpPr>
+          <p:cNvPr id="3" name="Espace réservé des notes 2">
+            <a:extLst>
+              <a:ext uri="{FF2B5EF4-FFF2-40B4-BE49-F238E27FC236}">
+                <a16:creationId xmlns:a16="http://schemas.microsoft.com/office/drawing/2014/main" id="{DC551D46-7772-FC4E-56E7-C8D0E50F504D}"/>
+              </a:ext>
+            </a:extLst>
+          </p:cNvPr>
+          <p:cNvSpPr>
+            <a:spLocks noGrp="1"/>
+          </p:cNvSpPr>
+          <p:nvPr>
+            <p:ph type="body" idx="1"/>
+          </p:nvPr>
+        </p:nvSpPr>
+        <p:spPr/>
+        <p:txBody>
+          <a:bodyPr/>
+          <a:lstStyle/>
+          <a:p>
+            <a:r>
+              <a:rPr lang="fr-CA"/>
+              <a:t>On a essayé toutes les probabilités avec un scripts python (ai) taux de réussite de 100%</a:t>
+            </a:r>
+          </a:p>
+        </p:txBody>
+      </p:sp>
+      <p:sp>
+        <p:nvSpPr>
+          <p:cNvPr id="4" name="Espace réservé du numéro de diapositive 3">
+            <a:extLst>
+              <a:ext uri="{FF2B5EF4-FFF2-40B4-BE49-F238E27FC236}">
+                <a16:creationId xmlns:a16="http://schemas.microsoft.com/office/drawing/2014/main" id="{4B48B160-4F2A-F243-80D8-6D78CFC68D46}"/>
+              </a:ext>
+            </a:extLst>
+          </p:cNvPr>
+          <p:cNvSpPr>
+            <a:spLocks noGrp="1"/>
+          </p:cNvSpPr>
+          <p:nvPr>
+            <p:ph type="sldNum" sz="quarter" idx="5"/>
+          </p:nvPr>
+        </p:nvSpPr>
+        <p:spPr/>
+        <p:txBody>
+          <a:bodyPr/>
+          <a:lstStyle/>
+          <a:p>
+            <a:fld id="{4E163612-0B4A-4F97-A0C6-CF2AEB2E44FF}" type="slidenum">
+              <a:rPr lang="fr-CA" smtClean="0"/>
+              <a:t>7</a:t>
+            </a:fld>
+            <a:endParaRPr lang="fr-CA"/>
+          </a:p>
+        </p:txBody>
+      </p:sp>
+    </p:spTree>
+    <p:extLst>
+      <p:ext uri="{BB962C8B-B14F-4D97-AF65-F5344CB8AC3E}">
+        <p14:creationId xmlns:p14="http://schemas.microsoft.com/office/powerpoint/2010/main" val="1358396006"/>
+      </p:ext>
+    </p:extLst>
+  </p:cSld>
+  <p:clrMapOvr>
+    <a:masterClrMapping/>
+  </p:clrMapOvr>
+</p:notes>
+</file>
+
 <file path=ppt/slideLayouts/slideLayout1.xml><?xml version="1.0" encoding="utf-8"?>
 <p:sldLayout xmlns:a="http://schemas.openxmlformats.org/drawingml/2006/main" xmlns:r="http://schemas.openxmlformats.org/officeDocument/2006/relationships" xmlns:p="http://schemas.openxmlformats.org/presentationml/2006/main" preserve="1">
   <p:cSld name="Diapo Titre 1">
@@ -1099,7 +2617,7 @@
               <a:rPr lang="fr-CA" noProof="0"/>
               <a:t>Modifier le style du titre</a:t>
             </a:r>
-            <a:endParaRPr lang="fr-FR" noProof="0" dirty="0"/>
+            <a:endParaRPr lang="fr-FR" noProof="0"/>
           </a:p>
         </p:txBody>
       </p:sp>
@@ -1213,7 +2731,7 @@
           <a:p>
             <a:pPr algn="l"/>
             <a:r>
-              <a:rPr lang="fr-FR" sz="1733" dirty="0">
+              <a:rPr lang="fr-FR" sz="1733">
                 <a:solidFill>
                   <a:schemeClr val="bg2"/>
                 </a:solidFill>
@@ -1278,9 +2796,9 @@
           <a:p>
             <a:fld id="{018E2434-2E4F-4CA6-AD8F-EC6088967E7D}" type="slidenum">
               <a:rPr lang="fr-CA" smtClean="0"/>
-              <a:t>‹n°›</a:t>
+              <a:t>‹#›</a:t>
             </a:fld>
-            <a:endParaRPr lang="fr-CA" dirty="0"/>
+            <a:endParaRPr lang="fr-CA"/>
           </a:p>
         </p:txBody>
       </p:sp>
@@ -1333,7 +2851,7 @@
               <a:rPr lang="fr-CA"/>
               <a:t>Modifier le style du titre</a:t>
             </a:r>
-            <a:endParaRPr lang="fr-FR" dirty="0"/>
+            <a:endParaRPr lang="fr-FR"/>
           </a:p>
         </p:txBody>
       </p:sp>
@@ -1395,7 +2913,7 @@
               <a:rPr lang="fr-CA" noProof="0"/>
               <a:t>Cinquième niveau</a:t>
             </a:r>
-            <a:endParaRPr lang="fr-FR" noProof="0" dirty="0"/>
+            <a:endParaRPr lang="fr-FR" noProof="0"/>
           </a:p>
         </p:txBody>
       </p:sp>
@@ -1422,9 +2940,9 @@
           <a:p>
             <a:fld id="{018E2434-2E4F-4CA6-AD8F-EC6088967E7D}" type="slidenum">
               <a:rPr lang="fr-CA" smtClean="0"/>
-              <a:t>‹n°›</a:t>
+              <a:t>‹#›</a:t>
             </a:fld>
-            <a:endParaRPr lang="fr-CA" dirty="0"/>
+            <a:endParaRPr lang="fr-CA"/>
           </a:p>
         </p:txBody>
       </p:sp>
@@ -1477,7 +2995,7 @@
               <a:rPr lang="fr-CA"/>
               <a:t>Modifier le style du titre</a:t>
             </a:r>
-            <a:endParaRPr lang="fr-FR" dirty="0"/>
+            <a:endParaRPr lang="fr-FR"/>
           </a:p>
         </p:txBody>
       </p:sp>
@@ -1544,7 +3062,7 @@
               <a:rPr lang="fr-CA" noProof="0"/>
               <a:t>Cinquième niveau</a:t>
             </a:r>
-            <a:endParaRPr lang="fr-FR" noProof="0" dirty="0"/>
+            <a:endParaRPr lang="fr-FR" noProof="0"/>
           </a:p>
         </p:txBody>
       </p:sp>
@@ -1571,9 +3089,9 @@
           <a:p>
             <a:fld id="{018E2434-2E4F-4CA6-AD8F-EC6088967E7D}" type="slidenum">
               <a:rPr lang="fr-CA" smtClean="0"/>
-              <a:t>‹n°›</a:t>
+              <a:t>‹#›</a:t>
             </a:fld>
-            <a:endParaRPr lang="fr-CA" dirty="0"/>
+            <a:endParaRPr lang="fr-CA"/>
           </a:p>
         </p:txBody>
       </p:sp>
@@ -1626,7 +3144,7 @@
               <a:rPr lang="fr-CA"/>
               <a:t>Modifier le style du titre</a:t>
             </a:r>
-            <a:endParaRPr lang="fr-FR" dirty="0"/>
+            <a:endParaRPr lang="fr-FR"/>
           </a:p>
         </p:txBody>
       </p:sp>
@@ -1688,7 +3206,7 @@
               <a:rPr lang="fr-CA" noProof="0"/>
               <a:t>Cinquième niveau</a:t>
             </a:r>
-            <a:endParaRPr lang="fr-FR" noProof="0" dirty="0"/>
+            <a:endParaRPr lang="fr-FR" noProof="0"/>
           </a:p>
         </p:txBody>
       </p:sp>
@@ -1723,7 +3241,7 @@
               <a:rPr lang="fr-CA"/>
               <a:t>Cliquez sur l'icône pour ajouter une image</a:t>
             </a:r>
-            <a:endParaRPr lang="fr-FR" dirty="0"/>
+            <a:endParaRPr lang="fr-FR"/>
           </a:p>
         </p:txBody>
       </p:sp>
@@ -1750,9 +3268,9 @@
           <a:p>
             <a:fld id="{018E2434-2E4F-4CA6-AD8F-EC6088967E7D}" type="slidenum">
               <a:rPr lang="fr-CA" smtClean="0"/>
-              <a:t>‹n°›</a:t>
+              <a:t>‹#›</a:t>
             </a:fld>
-            <a:endParaRPr lang="fr-CA" dirty="0"/>
+            <a:endParaRPr lang="fr-CA"/>
           </a:p>
         </p:txBody>
       </p:sp>
@@ -1867,7 +3385,7 @@
               <a:rPr lang="fr-CA" noProof="0"/>
               <a:t>Cinquième niveau</a:t>
             </a:r>
-            <a:endParaRPr lang="fr-FR" noProof="0" dirty="0"/>
+            <a:endParaRPr lang="fr-FR" noProof="0"/>
           </a:p>
         </p:txBody>
       </p:sp>
@@ -1936,9 +3454,9 @@
           <a:p>
             <a:fld id="{018E2434-2E4F-4CA6-AD8F-EC6088967E7D}" type="slidenum">
               <a:rPr lang="fr-CA" smtClean="0"/>
-              <a:t>‹n°›</a:t>
+              <a:t>‹#›</a:t>
             </a:fld>
-            <a:endParaRPr lang="fr-CA" dirty="0"/>
+            <a:endParaRPr lang="fr-CA"/>
           </a:p>
         </p:txBody>
       </p:sp>
@@ -2053,7 +3571,7 @@
               <a:rPr lang="fr-CA" noProof="0"/>
               <a:t>Modifier le style du titre</a:t>
             </a:r>
-            <a:endParaRPr lang="fr-FR" noProof="0" dirty="0"/>
+            <a:endParaRPr lang="fr-FR" noProof="0"/>
           </a:p>
         </p:txBody>
       </p:sp>
@@ -2159,7 +3677,7 @@
           <a:p>
             <a:pPr algn="l"/>
             <a:r>
-              <a:rPr lang="fr-FR" sz="1733" dirty="0">
+              <a:rPr lang="fr-FR" sz="1733">
                 <a:solidFill>
                   <a:schemeClr val="bg2"/>
                 </a:solidFill>
@@ -2200,9 +3718,9 @@
           <a:p>
             <a:fld id="{018E2434-2E4F-4CA6-AD8F-EC6088967E7D}" type="slidenum">
               <a:rPr lang="fr-CA" smtClean="0"/>
-              <a:t>‹n°›</a:t>
+              <a:t>‹#›</a:t>
             </a:fld>
-            <a:endParaRPr lang="fr-CA" dirty="0"/>
+            <a:endParaRPr lang="fr-CA"/>
           </a:p>
         </p:txBody>
       </p:sp>
@@ -2317,7 +3835,7 @@
               <a:rPr lang="fr-CA" noProof="0"/>
               <a:t>Modifier le style du titre</a:t>
             </a:r>
-            <a:endParaRPr lang="fr-FR" noProof="0" dirty="0"/>
+            <a:endParaRPr lang="fr-FR" noProof="0"/>
           </a:p>
         </p:txBody>
       </p:sp>
@@ -2394,7 +3912,7 @@
           <a:p>
             <a:pPr algn="l"/>
             <a:r>
-              <a:rPr lang="fr-FR" sz="1733" dirty="0">
+              <a:rPr lang="fr-FR" sz="1733">
                 <a:solidFill>
                   <a:schemeClr val="bg2"/>
                 </a:solidFill>
@@ -2430,9 +3948,9 @@
           <a:p>
             <a:fld id="{018E2434-2E4F-4CA6-AD8F-EC6088967E7D}" type="slidenum">
               <a:rPr lang="fr-CA" smtClean="0"/>
-              <a:t>‹n°›</a:t>
+              <a:t>‹#›</a:t>
             </a:fld>
-            <a:endParaRPr lang="fr-CA" dirty="0"/>
+            <a:endParaRPr lang="fr-CA"/>
           </a:p>
         </p:txBody>
       </p:sp>
@@ -2530,7 +4048,7 @@
               <a:rPr lang="fr-CA" noProof="0"/>
               <a:t>Modifier le style du titre</a:t>
             </a:r>
-            <a:endParaRPr lang="fr-FR" noProof="0" dirty="0"/>
+            <a:endParaRPr lang="fr-FR" noProof="0"/>
           </a:p>
         </p:txBody>
       </p:sp>
@@ -2607,7 +4125,7 @@
           <a:p>
             <a:pPr algn="l"/>
             <a:r>
-              <a:rPr lang="fr-FR" sz="1733" dirty="0">
+              <a:rPr lang="fr-FR" sz="1733">
                 <a:solidFill>
                   <a:schemeClr val="bg2"/>
                 </a:solidFill>
@@ -2643,9 +4161,9 @@
           <a:p>
             <a:fld id="{018E2434-2E4F-4CA6-AD8F-EC6088967E7D}" type="slidenum">
               <a:rPr lang="fr-CA" smtClean="0"/>
-              <a:t>‹n°›</a:t>
+              <a:t>‹#›</a:t>
             </a:fld>
-            <a:endParaRPr lang="fr-CA" dirty="0"/>
+            <a:endParaRPr lang="fr-CA"/>
           </a:p>
         </p:txBody>
       </p:sp>
@@ -2744,7 +4262,7 @@
               <a:rPr lang="fr-CA" noProof="0"/>
               <a:t>Modifier le style du titre</a:t>
             </a:r>
-            <a:endParaRPr lang="fr-FR" noProof="0" dirty="0"/>
+            <a:endParaRPr lang="fr-FR" noProof="0"/>
           </a:p>
         </p:txBody>
       </p:sp>
@@ -2815,7 +4333,7 @@
           <a:p>
             <a:pPr algn="l"/>
             <a:r>
-              <a:rPr lang="fr-FR" sz="1733" dirty="0">
+              <a:rPr lang="fr-FR" sz="1733">
                 <a:solidFill>
                   <a:srgbClr val="FFFFFF"/>
                 </a:solidFill>
@@ -2826,7 +4344,7 @@
               <a:t>NOM DE</a:t>
             </a:r>
             <a:br>
-              <a:rPr lang="fr-FR" sz="1733" dirty="0">
+              <a:rPr lang="fr-FR" sz="1733">
                 <a:solidFill>
                   <a:srgbClr val="FFFFFF"/>
                 </a:solidFill>
@@ -2836,7 +4354,7 @@
               </a:rPr>
             </a:br>
             <a:r>
-              <a:rPr lang="fr-FR" sz="1733" dirty="0">
+              <a:rPr lang="fr-FR" sz="1733">
                 <a:solidFill>
                   <a:srgbClr val="FFFFFF"/>
                 </a:solidFill>
@@ -2880,7 +4398,7 @@
               <a:rPr lang="fr-CA"/>
               <a:t>Cliquez sur l'icône pour ajouter une image</a:t>
             </a:r>
-            <a:endParaRPr lang="fr-FR" dirty="0"/>
+            <a:endParaRPr lang="fr-FR"/>
           </a:p>
         </p:txBody>
       </p:sp>
@@ -2915,7 +4433,7 @@
               <a:rPr lang="fr-CA"/>
               <a:t>Cliquez sur l'icône pour ajouter une image</a:t>
             </a:r>
-            <a:endParaRPr lang="fr-FR" dirty="0"/>
+            <a:endParaRPr lang="fr-FR"/>
           </a:p>
         </p:txBody>
       </p:sp>
@@ -2950,7 +4468,7 @@
               <a:rPr lang="fr-CA"/>
               <a:t>Cliquez sur l'icône pour ajouter une image</a:t>
             </a:r>
-            <a:endParaRPr lang="fr-FR" dirty="0"/>
+            <a:endParaRPr lang="fr-FR"/>
           </a:p>
         </p:txBody>
       </p:sp>
@@ -2984,7 +4502,7 @@
           <a:p>
             <a:pPr algn="l"/>
             <a:r>
-              <a:rPr lang="fr-FR" sz="1733" dirty="0">
+              <a:rPr lang="fr-FR" sz="1733">
                 <a:solidFill>
                   <a:schemeClr val="bg2"/>
                 </a:solidFill>
@@ -3020,9 +4538,9 @@
           <a:p>
             <a:fld id="{018E2434-2E4F-4CA6-AD8F-EC6088967E7D}" type="slidenum">
               <a:rPr lang="fr-CA" smtClean="0"/>
-              <a:t>‹n°›</a:t>
+              <a:t>‹#›</a:t>
             </a:fld>
-            <a:endParaRPr lang="fr-CA" dirty="0"/>
+            <a:endParaRPr lang="fr-CA"/>
           </a:p>
         </p:txBody>
       </p:sp>
@@ -3087,7 +4605,7 @@
               <a:rPr lang="fr-CA"/>
               <a:t>Cliquez sur l'icône pour ajouter une image</a:t>
             </a:r>
-            <a:endParaRPr lang="fr-FR" dirty="0"/>
+            <a:endParaRPr lang="fr-FR"/>
           </a:p>
         </p:txBody>
       </p:sp>
@@ -3115,7 +4633,7 @@
           <a:p>
             <a:pPr algn="l"/>
             <a:r>
-              <a:rPr lang="fr-FR" sz="1733" dirty="0">
+              <a:rPr lang="fr-FR" sz="1733">
                 <a:solidFill>
                   <a:srgbClr val="FFFFFF"/>
                 </a:solidFill>
@@ -3126,7 +4644,7 @@
               <a:t>NOM DE</a:t>
             </a:r>
             <a:br>
-              <a:rPr lang="fr-FR" sz="1733" dirty="0">
+              <a:rPr lang="fr-FR" sz="1733">
                 <a:solidFill>
                   <a:srgbClr val="FFFFFF"/>
                 </a:solidFill>
@@ -3136,7 +4654,7 @@
               </a:rPr>
             </a:br>
             <a:r>
-              <a:rPr lang="fr-FR" sz="1733" dirty="0">
+              <a:rPr lang="fr-FR" sz="1733">
                 <a:solidFill>
                   <a:srgbClr val="FFFFFF"/>
                 </a:solidFill>
@@ -3255,7 +4773,7 @@
               <a:rPr lang="fr-CA" noProof="0"/>
               <a:t>Modifier le style du titre</a:t>
             </a:r>
-            <a:endParaRPr lang="fr-FR" noProof="0" dirty="0"/>
+            <a:endParaRPr lang="fr-FR" noProof="0"/>
           </a:p>
         </p:txBody>
       </p:sp>
@@ -3282,9 +4800,9 @@
           <a:p>
             <a:fld id="{018E2434-2E4F-4CA6-AD8F-EC6088967E7D}" type="slidenum">
               <a:rPr lang="fr-CA" smtClean="0"/>
-              <a:t>‹n°›</a:t>
+              <a:t>‹#›</a:t>
             </a:fld>
-            <a:endParaRPr lang="fr-CA" dirty="0"/>
+            <a:endParaRPr lang="fr-CA"/>
           </a:p>
         </p:txBody>
       </p:sp>
@@ -3388,7 +4906,7 @@
               <a:rPr lang="fr-CA" noProof="0"/>
               <a:t>Modifier le style du titre</a:t>
             </a:r>
-            <a:endParaRPr lang="fr-FR" noProof="0" dirty="0"/>
+            <a:endParaRPr lang="fr-FR" noProof="0"/>
           </a:p>
         </p:txBody>
       </p:sp>
@@ -3492,7 +5010,7 @@
               <a:rPr lang="fr-CA" noProof="0"/>
               <a:t>Modifier le style du titre</a:t>
             </a:r>
-            <a:endParaRPr lang="fr-FR" noProof="0" dirty="0"/>
+            <a:endParaRPr lang="fr-FR" noProof="0"/>
           </a:p>
         </p:txBody>
       </p:sp>
@@ -3626,7 +5144,7 @@
               <a:rPr lang="fr-CA" noProof="0"/>
               <a:t>Modifier le style du titre</a:t>
             </a:r>
-            <a:endParaRPr lang="fr-FR" noProof="0" dirty="0"/>
+            <a:endParaRPr lang="fr-FR" noProof="0"/>
           </a:p>
         </p:txBody>
       </p:sp>
@@ -3694,7 +5212,7 @@
           <a:p>
             <a:pPr algn="l"/>
             <a:r>
-              <a:rPr lang="fr-FR" sz="1733" dirty="0">
+              <a:rPr lang="fr-FR" sz="1733">
                 <a:solidFill>
                   <a:srgbClr val="FFFFFF"/>
                 </a:solidFill>
@@ -3705,7 +5223,7 @@
               <a:t>NOM DE</a:t>
             </a:r>
             <a:br>
-              <a:rPr lang="fr-FR" sz="1733" dirty="0">
+              <a:rPr lang="fr-FR" sz="1733">
                 <a:solidFill>
                   <a:srgbClr val="FFFFFF"/>
                 </a:solidFill>
@@ -3715,7 +5233,7 @@
               </a:rPr>
             </a:br>
             <a:r>
-              <a:rPr lang="fr-FR" sz="1733" dirty="0">
+              <a:rPr lang="fr-FR" sz="1733">
                 <a:solidFill>
                   <a:srgbClr val="FFFFFF"/>
                 </a:solidFill>
@@ -3788,7 +5306,7 @@
               <a:rPr lang="fr-CA"/>
               <a:t>Cliquez sur l'icône pour ajouter une image</a:t>
             </a:r>
-            <a:endParaRPr lang="fr-FR" dirty="0"/>
+            <a:endParaRPr lang="fr-FR"/>
           </a:p>
         </p:txBody>
       </p:sp>
@@ -3822,7 +5340,7 @@
           <a:p>
             <a:pPr algn="l"/>
             <a:r>
-              <a:rPr lang="fr-FR" sz="1733" dirty="0">
+              <a:rPr lang="fr-FR" sz="1733">
                 <a:solidFill>
                   <a:srgbClr val="FFFFFF"/>
                 </a:solidFill>
@@ -3858,9 +5376,9 @@
           <a:p>
             <a:fld id="{018E2434-2E4F-4CA6-AD8F-EC6088967E7D}" type="slidenum">
               <a:rPr lang="fr-CA" smtClean="0"/>
-              <a:t>‹n°›</a:t>
+              <a:t>‹#›</a:t>
             </a:fld>
-            <a:endParaRPr lang="fr-CA" dirty="0"/>
+            <a:endParaRPr lang="fr-CA"/>
           </a:p>
         </p:txBody>
       </p:sp>
@@ -3938,7 +5456,7 @@
           <a:p>
             <a:pPr lvl="0"/>
             <a:r>
-              <a:rPr lang="fr-FR" dirty="0"/>
+              <a:rPr lang="fr-FR"/>
               <a:t>Cliquez et modifiez le titre</a:t>
             </a:r>
           </a:p>
@@ -3985,7 +5503,7 @@
               </a14:hiddenLine>
             </a:ext>
             <a:ext uri="{FAA26D3D-D897-4be2-8F04-BA451C77F1D7}">
-              <ma14:placeholderFlag xmlns="" xmlns:ma14="http://schemas.microsoft.com/office/mac/drawingml/2011/main" val="1"/>
+              <ma14:placeholderFlag xmlns:ma14="http://schemas.microsoft.com/office/mac/drawingml/2011/main" xmlns="" val="1"/>
             </a:ext>
           </a:extLst>
         </p:spPr>
@@ -3999,35 +5517,35 @@
           <a:p>
             <a:pPr lvl="0"/>
             <a:r>
-              <a:rPr lang="fr-FR" altLang="fr-FR" dirty="0"/>
+              <a:rPr lang="fr-FR" altLang="fr-FR"/>
               <a:t>Cliquez pour modifier les styles du texte du masque</a:t>
             </a:r>
           </a:p>
           <a:p>
             <a:pPr lvl="1"/>
             <a:r>
-              <a:rPr lang="fr-FR" altLang="fr-FR" dirty="0"/>
+              <a:rPr lang="fr-FR" altLang="fr-FR"/>
               <a:t>Deuxième niveau</a:t>
             </a:r>
           </a:p>
           <a:p>
             <a:pPr lvl="2"/>
             <a:r>
-              <a:rPr lang="fr-FR" altLang="fr-FR" dirty="0"/>
+              <a:rPr lang="fr-FR" altLang="fr-FR"/>
               <a:t>Troisième niveau</a:t>
             </a:r>
           </a:p>
           <a:p>
             <a:pPr lvl="3"/>
             <a:r>
-              <a:rPr lang="fr-FR" altLang="fr-FR" dirty="0"/>
+              <a:rPr lang="fr-FR" altLang="fr-FR"/>
               <a:t>Quatrième niveau</a:t>
             </a:r>
           </a:p>
           <a:p>
             <a:pPr lvl="4"/>
             <a:r>
-              <a:rPr lang="fr-FR" altLang="fr-FR" dirty="0"/>
+              <a:rPr lang="fr-FR" altLang="fr-FR"/>
               <a:t>Cinquième niveau</a:t>
             </a:r>
           </a:p>
@@ -4057,7 +5575,7 @@
           <a:p>
             <a:pPr algn="r"/>
             <a:r>
-              <a:rPr lang="fr-FR" sz="1733" dirty="0">
+              <a:rPr lang="fr-FR" sz="1733">
                 <a:solidFill>
                   <a:srgbClr val="FFFFFF"/>
                 </a:solidFill>
@@ -4068,7 +5586,7 @@
               <a:t>NOM DE LA FACULTÉ</a:t>
             </a:r>
             <a:r>
-              <a:rPr lang="fr-FR" sz="1733" baseline="0" dirty="0">
+              <a:rPr lang="fr-FR" sz="1733" baseline="0">
                 <a:solidFill>
                   <a:srgbClr val="FFFFFF"/>
                 </a:solidFill>
@@ -4078,7 +5596,7 @@
               </a:rPr>
               <a:t> ICI</a:t>
             </a:r>
-            <a:endParaRPr lang="fr-FR" sz="1733" dirty="0">
+            <a:endParaRPr lang="fr-FR" sz="1733">
               <a:solidFill>
                 <a:srgbClr val="FFFFFF"/>
               </a:solidFill>
@@ -4119,7 +5637,7 @@
           <a:p>
             <a:pPr algn="r"/>
             <a:r>
-              <a:rPr lang="fr-FR" sz="1733" dirty="0">
+              <a:rPr lang="fr-FR" sz="1733">
                 <a:solidFill>
                   <a:srgbClr val="FFFFFF"/>
                 </a:solidFill>
@@ -4130,7 +5648,7 @@
               <a:t>NOM DE LA FACULTÉ</a:t>
             </a:r>
             <a:r>
-              <a:rPr lang="fr-FR" sz="1733" baseline="0" dirty="0">
+              <a:rPr lang="fr-FR" sz="1733" baseline="0">
                 <a:solidFill>
                   <a:srgbClr val="FFFFFF"/>
                 </a:solidFill>
@@ -4140,7 +5658,7 @@
               </a:rPr>
               <a:t> ICI</a:t>
             </a:r>
-            <a:endParaRPr lang="fr-FR" sz="1733" dirty="0">
+            <a:endParaRPr lang="fr-FR" sz="1733">
               <a:solidFill>
                 <a:srgbClr val="FFFFFF"/>
               </a:solidFill>
@@ -4239,7 +5757,7 @@
           <a:p>
             <a:pPr algn="r"/>
             <a:r>
-              <a:rPr lang="fr-FR" sz="1733" dirty="0">
+              <a:rPr lang="fr-FR" sz="1733">
                 <a:solidFill>
                   <a:srgbClr val="FFFFFF"/>
                 </a:solidFill>
@@ -4293,9 +5811,9 @@
           <a:p>
             <a:fld id="{018E2434-2E4F-4CA6-AD8F-EC6088967E7D}" type="slidenum">
               <a:rPr lang="fr-CA" smtClean="0"/>
-              <a:t>‹n°›</a:t>
+              <a:t>‹#›</a:t>
             </a:fld>
-            <a:endParaRPr lang="fr-CA" dirty="0"/>
+            <a:endParaRPr lang="fr-CA"/>
           </a:p>
         </p:txBody>
       </p:sp>
@@ -4763,7 +6281,7 @@
           <a:lstStyle/>
           <a:p>
             <a:r>
-              <a:rPr lang="fr-CA" dirty="0"/>
+              <a:rPr lang="fr-CA"/>
               <a:t>Défense Orale App1</a:t>
             </a:r>
           </a:p>
@@ -4796,49 +6314,36 @@
           <a:lstStyle/>
           <a:p>
             <a:r>
-              <a:rPr lang="fr-CA" sz="1800" dirty="0"/>
+              <a:rPr lang="fr-CA" sz="1800">
+                <a:latin typeface="Arial Narrow"/>
+              </a:rPr>
               <a:t>Raphael Bouchard – bour0703</a:t>
             </a:r>
           </a:p>
           <a:p>
             <a:r>
-              <a:rPr lang="fr-CA" sz="1800" dirty="0" err="1"/>
-              <a:t>Zachari</a:t>
-            </a:r>
-            <a:r>
-              <a:rPr lang="fr-CA" sz="1800" dirty="0"/>
-              <a:t> Gervais - </a:t>
-            </a:r>
-            <a:r>
-              <a:rPr lang="fr-CA" sz="1800" dirty="0" err="1"/>
-              <a:t>gerz</a:t>
-            </a:r>
-            <a:endParaRPr lang="fr-CA" sz="1800" dirty="0"/>
-          </a:p>
-          <a:p>
-            <a:r>
-              <a:rPr lang="fr-CA" sz="1800" dirty="0"/>
+              <a:rPr lang="fr-CA" sz="1800">
+                <a:latin typeface="Arial Narrow"/>
+              </a:rPr>
+              <a:t>Zachari Gervais - gerz0501</a:t>
+            </a:r>
+            <a:endParaRPr lang="fr-CA" sz="1800"/>
+          </a:p>
+          <a:p>
+            <a:r>
+              <a:rPr lang="fr-CA" sz="1800">
+                <a:latin typeface="Arial Narrow"/>
+              </a:rPr>
               <a:t>Alexis Guérard – guea0902</a:t>
             </a:r>
           </a:p>
           <a:p>
             <a:r>
-              <a:rPr lang="fr-CA" sz="1800" dirty="0"/>
-              <a:t>Gabriel </a:t>
-            </a:r>
-            <a:r>
-              <a:rPr lang="fr-CA" sz="1800" dirty="0" err="1"/>
-              <a:t>Lamontagne</a:t>
-            </a:r>
-            <a:r>
-              <a:rPr lang="fr-CA" sz="1800" dirty="0"/>
-              <a:t> - </a:t>
-            </a:r>
-            <a:r>
-              <a:rPr lang="fr-CA" sz="1800" dirty="0" err="1"/>
-              <a:t>lamg</a:t>
-            </a:r>
-            <a:endParaRPr lang="fr-CA" sz="1800" dirty="0"/>
+              <a:rPr lang="fr-CA" sz="1800">
+                <a:latin typeface="Arial Narrow"/>
+              </a:rPr>
+              <a:t>Gabriel Lamontagne - lamg</a:t>
+            </a:r>
           </a:p>
         </p:txBody>
       </p:sp>
@@ -4887,7 +6392,7 @@
               </a14:hiddenLine>
             </a:ext>
             <a:ext uri="{FAA26D3D-D897-4be2-8F04-BA451C77F1D7}">
-              <ma14:placeholderFlag xmlns="" xmlns:ma14="http://schemas.microsoft.com/office/mac/drawingml/2011/main" val="1"/>
+              <ma14:placeholderFlag xmlns:ma14="http://schemas.microsoft.com/office/mac/drawingml/2011/main" xmlns="" val="1"/>
             </a:ext>
           </a:extLst>
         </p:spPr>
@@ -5054,7 +6559,7 @@
           </a:lstStyle>
           <a:p>
             <a:r>
-              <a:rPr lang="fr-CA" kern="0" dirty="0"/>
+              <a:rPr lang="fr-CA" kern="0"/>
               <a:t>Intelligence artificielle – Planification et optimisation</a:t>
             </a:r>
           </a:p>
@@ -5064,6 +6569,588 @@
     <p:extLst>
       <p:ext uri="{BB962C8B-B14F-4D97-AF65-F5344CB8AC3E}">
         <p14:creationId xmlns:p14="http://schemas.microsoft.com/office/powerpoint/2010/main" val="241055227"/>
+      </p:ext>
+    </p:extLst>
+  </p:cSld>
+  <p:clrMapOvr>
+    <a:masterClrMapping/>
+  </p:clrMapOvr>
+</p:sld>
+</file>
+
+<file path=ppt/slides/slide10.xml><?xml version="1.0" encoding="utf-8"?>
+<p:sld xmlns:a="http://schemas.openxmlformats.org/drawingml/2006/main" xmlns:r="http://schemas.openxmlformats.org/officeDocument/2006/relationships" xmlns:p="http://schemas.openxmlformats.org/presentationml/2006/main">
+  <p:cSld>
+    <p:spTree>
+      <p:nvGrpSpPr>
+        <p:cNvPr id="1" name="">
+          <a:extLst>
+            <a:ext uri="{FF2B5EF4-FFF2-40B4-BE49-F238E27FC236}">
+              <a16:creationId xmlns:a16="http://schemas.microsoft.com/office/drawing/2014/main" id="{CEB9340A-A1BD-EC07-BFA8-333ABE1FB5C3}"/>
+            </a:ext>
+          </a:extLst>
+        </p:cNvPr>
+        <p:cNvGrpSpPr/>
+        <p:nvPr/>
+      </p:nvGrpSpPr>
+      <p:grpSpPr>
+        <a:xfrm>
+          <a:off x="0" y="0"/>
+          <a:ext cx="0" cy="0"/>
+          <a:chOff x="0" y="0"/>
+          <a:chExt cx="0" cy="0"/>
+        </a:xfrm>
+      </p:grpSpPr>
+      <p:sp>
+        <p:nvSpPr>
+          <p:cNvPr id="2" name="Titre 1">
+            <a:extLst>
+              <a:ext uri="{FF2B5EF4-FFF2-40B4-BE49-F238E27FC236}">
+                <a16:creationId xmlns:a16="http://schemas.microsoft.com/office/drawing/2014/main" id="{368BAA45-C14D-8F21-6590-8AF3CEF1EC3C}"/>
+              </a:ext>
+            </a:extLst>
+          </p:cNvPr>
+          <p:cNvSpPr>
+            <a:spLocks noGrp="1"/>
+          </p:cNvSpPr>
+          <p:nvPr>
+            <p:ph type="title"/>
+          </p:nvPr>
+        </p:nvSpPr>
+        <p:spPr/>
+        <p:txBody>
+          <a:bodyPr/>
+          <a:lstStyle/>
+          <a:p>
+            <a:r>
+              <a:rPr lang="fr-CA"/>
+              <a:t>Planificateur (A*)</a:t>
+            </a:r>
+          </a:p>
+        </p:txBody>
+      </p:sp>
+      <p:sp>
+        <p:nvSpPr>
+          <p:cNvPr id="3" name="Espace réservé du contenu 2">
+            <a:extLst>
+              <a:ext uri="{FF2B5EF4-FFF2-40B4-BE49-F238E27FC236}">
+                <a16:creationId xmlns:a16="http://schemas.microsoft.com/office/drawing/2014/main" id="{B904EFB1-CD3A-11A6-17E9-04FFE6902334}"/>
+              </a:ext>
+            </a:extLst>
+          </p:cNvPr>
+          <p:cNvSpPr>
+            <a:spLocks noGrp="1"/>
+          </p:cNvSpPr>
+          <p:nvPr>
+            <p:ph idx="1"/>
+          </p:nvPr>
+        </p:nvSpPr>
+        <p:spPr>
+          <a:xfrm>
+            <a:off x="5146158" y="1610290"/>
+            <a:ext cx="6710053" cy="4314988"/>
+          </a:xfrm>
+        </p:spPr>
+        <p:txBody>
+          <a:bodyPr/>
+          <a:lstStyle/>
+          <a:p>
+            <a:endParaRPr lang="fr-CA"/>
+          </a:p>
+        </p:txBody>
+      </p:sp>
+      <p:sp>
+        <p:nvSpPr>
+          <p:cNvPr id="4" name="Espace réservé du numéro de diapositive 3">
+            <a:extLst>
+              <a:ext uri="{FF2B5EF4-FFF2-40B4-BE49-F238E27FC236}">
+                <a16:creationId xmlns:a16="http://schemas.microsoft.com/office/drawing/2014/main" id="{DBBEF9BA-846F-9A39-B957-6A0C9460A6DF}"/>
+              </a:ext>
+            </a:extLst>
+          </p:cNvPr>
+          <p:cNvSpPr>
+            <a:spLocks noGrp="1"/>
+          </p:cNvSpPr>
+          <p:nvPr>
+            <p:ph type="sldNum" sz="quarter" idx="10"/>
+          </p:nvPr>
+        </p:nvSpPr>
+        <p:spPr/>
+        <p:txBody>
+          <a:bodyPr/>
+          <a:lstStyle/>
+          <a:p>
+            <a:fld id="{018E2434-2E4F-4CA6-AD8F-EC6088967E7D}" type="slidenum">
+              <a:rPr lang="fr-CA" smtClean="0"/>
+              <a:t>10</a:t>
+            </a:fld>
+            <a:endParaRPr lang="fr-CA"/>
+          </a:p>
+        </p:txBody>
+      </p:sp>
+    </p:spTree>
+    <p:extLst>
+      <p:ext uri="{BB962C8B-B14F-4D97-AF65-F5344CB8AC3E}">
+        <p14:creationId xmlns:p14="http://schemas.microsoft.com/office/powerpoint/2010/main" val="1523695473"/>
+      </p:ext>
+    </p:extLst>
+  </p:cSld>
+  <p:clrMapOvr>
+    <a:masterClrMapping/>
+  </p:clrMapOvr>
+</p:sld>
+</file>
+
+<file path=ppt/slides/slide11.xml><?xml version="1.0" encoding="utf-8"?>
+<p:sld xmlns:a="http://schemas.openxmlformats.org/drawingml/2006/main" xmlns:r="http://schemas.openxmlformats.org/officeDocument/2006/relationships" xmlns:p="http://schemas.openxmlformats.org/presentationml/2006/main">
+  <p:cSld>
+    <p:spTree>
+      <p:nvGrpSpPr>
+        <p:cNvPr id="1" name=""/>
+        <p:cNvGrpSpPr/>
+        <p:nvPr/>
+      </p:nvGrpSpPr>
+      <p:grpSpPr>
+        <a:xfrm>
+          <a:off x="0" y="0"/>
+          <a:ext cx="0" cy="0"/>
+          <a:chOff x="0" y="0"/>
+          <a:chExt cx="0" cy="0"/>
+        </a:xfrm>
+      </p:grpSpPr>
+      <p:sp>
+        <p:nvSpPr>
+          <p:cNvPr id="2" name="Titre 1">
+            <a:extLst>
+              <a:ext uri="{FF2B5EF4-FFF2-40B4-BE49-F238E27FC236}">
+                <a16:creationId xmlns:a16="http://schemas.microsoft.com/office/drawing/2014/main" id="{21D9A975-90FA-782A-FA59-3B03D37F0398}"/>
+              </a:ext>
+            </a:extLst>
+          </p:cNvPr>
+          <p:cNvSpPr>
+            <a:spLocks noGrp="1"/>
+          </p:cNvSpPr>
+          <p:nvPr>
+            <p:ph type="title"/>
+          </p:nvPr>
+        </p:nvSpPr>
+        <p:spPr/>
+        <p:txBody>
+          <a:bodyPr/>
+          <a:lstStyle/>
+          <a:p>
+            <a:r>
+              <a:rPr lang="fr-CA"/>
+              <a:t>Algorithme Génétique</a:t>
+            </a:r>
+          </a:p>
+        </p:txBody>
+      </p:sp>
+      <p:sp>
+        <p:nvSpPr>
+          <p:cNvPr id="3" name="Espace réservé du contenu 2">
+            <a:extLst>
+              <a:ext uri="{FF2B5EF4-FFF2-40B4-BE49-F238E27FC236}">
+                <a16:creationId xmlns:a16="http://schemas.microsoft.com/office/drawing/2014/main" id="{EF8CD875-2C25-CBFF-44E9-CBF444437B2F}"/>
+              </a:ext>
+            </a:extLst>
+          </p:cNvPr>
+          <p:cNvSpPr>
+            <a:spLocks noGrp="1"/>
+          </p:cNvSpPr>
+          <p:nvPr>
+            <p:ph idx="1"/>
+          </p:nvPr>
+        </p:nvSpPr>
+        <p:spPr/>
+        <p:txBody>
+          <a:bodyPr/>
+          <a:lstStyle/>
+          <a:p>
+            <a:endParaRPr lang="fr-CA"/>
+          </a:p>
+        </p:txBody>
+      </p:sp>
+      <p:sp>
+        <p:nvSpPr>
+          <p:cNvPr id="4" name="Espace réservé du numéro de diapositive 3">
+            <a:extLst>
+              <a:ext uri="{FF2B5EF4-FFF2-40B4-BE49-F238E27FC236}">
+                <a16:creationId xmlns:a16="http://schemas.microsoft.com/office/drawing/2014/main" id="{F6F92013-9B6B-DC23-37EE-4D52284467A8}"/>
+              </a:ext>
+            </a:extLst>
+          </p:cNvPr>
+          <p:cNvSpPr>
+            <a:spLocks noGrp="1"/>
+          </p:cNvSpPr>
+          <p:nvPr>
+            <p:ph type="sldNum" sz="quarter" idx="10"/>
+          </p:nvPr>
+        </p:nvSpPr>
+        <p:spPr/>
+        <p:txBody>
+          <a:bodyPr/>
+          <a:lstStyle/>
+          <a:p>
+            <a:fld id="{018E2434-2E4F-4CA6-AD8F-EC6088967E7D}" type="slidenum">
+              <a:rPr lang="fr-CA" smtClean="0"/>
+              <a:t>11</a:t>
+            </a:fld>
+            <a:endParaRPr lang="fr-CA"/>
+          </a:p>
+        </p:txBody>
+      </p:sp>
+    </p:spTree>
+    <p:extLst>
+      <p:ext uri="{BB962C8B-B14F-4D97-AF65-F5344CB8AC3E}">
+        <p14:creationId xmlns:p14="http://schemas.microsoft.com/office/powerpoint/2010/main" val="1585842068"/>
+      </p:ext>
+    </p:extLst>
+  </p:cSld>
+  <p:clrMapOvr>
+    <a:masterClrMapping/>
+  </p:clrMapOvr>
+</p:sld>
+</file>
+
+<file path=ppt/slides/slide12.xml><?xml version="1.0" encoding="utf-8"?>
+<p:sld xmlns:a="http://schemas.openxmlformats.org/drawingml/2006/main" xmlns:r="http://schemas.openxmlformats.org/officeDocument/2006/relationships" xmlns:p="http://schemas.openxmlformats.org/presentationml/2006/main">
+  <p:cSld>
+    <p:spTree>
+      <p:nvGrpSpPr>
+        <p:cNvPr id="1" name=""/>
+        <p:cNvGrpSpPr/>
+        <p:nvPr/>
+      </p:nvGrpSpPr>
+      <p:grpSpPr>
+        <a:xfrm>
+          <a:off x="0" y="0"/>
+          <a:ext cx="0" cy="0"/>
+          <a:chOff x="0" y="0"/>
+          <a:chExt cx="0" cy="0"/>
+        </a:xfrm>
+      </p:grpSpPr>
+      <p:sp>
+        <p:nvSpPr>
+          <p:cNvPr id="2" name="Titre 1">
+            <a:extLst>
+              <a:ext uri="{FF2B5EF4-FFF2-40B4-BE49-F238E27FC236}">
+                <a16:creationId xmlns:a16="http://schemas.microsoft.com/office/drawing/2014/main" id="{73703859-6607-3441-7D9F-637F19E66E11}"/>
+              </a:ext>
+            </a:extLst>
+          </p:cNvPr>
+          <p:cNvSpPr>
+            <a:spLocks noGrp="1"/>
+          </p:cNvSpPr>
+          <p:nvPr>
+            <p:ph type="title"/>
+          </p:nvPr>
+        </p:nvSpPr>
+        <p:spPr/>
+        <p:txBody>
+          <a:bodyPr/>
+          <a:lstStyle/>
+          <a:p>
+            <a:r>
+              <a:rPr lang="fr-CA"/>
+              <a:t>Logique floue</a:t>
+            </a:r>
+          </a:p>
+        </p:txBody>
+      </p:sp>
+      <p:sp>
+        <p:nvSpPr>
+          <p:cNvPr id="3" name="Espace réservé du contenu 2">
+            <a:extLst>
+              <a:ext uri="{FF2B5EF4-FFF2-40B4-BE49-F238E27FC236}">
+                <a16:creationId xmlns:a16="http://schemas.microsoft.com/office/drawing/2014/main" id="{8E76E5D2-15B1-8626-7FAB-BDD604D3862B}"/>
+              </a:ext>
+            </a:extLst>
+          </p:cNvPr>
+          <p:cNvSpPr>
+            <a:spLocks noGrp="1"/>
+          </p:cNvSpPr>
+          <p:nvPr>
+            <p:ph idx="1"/>
+          </p:nvPr>
+        </p:nvSpPr>
+        <p:spPr/>
+        <p:txBody>
+          <a:bodyPr/>
+          <a:lstStyle/>
+          <a:p>
+            <a:endParaRPr lang="fr-CA"/>
+          </a:p>
+        </p:txBody>
+      </p:sp>
+      <p:sp>
+        <p:nvSpPr>
+          <p:cNvPr id="4" name="Espace réservé du numéro de diapositive 3">
+            <a:extLst>
+              <a:ext uri="{FF2B5EF4-FFF2-40B4-BE49-F238E27FC236}">
+                <a16:creationId xmlns:a16="http://schemas.microsoft.com/office/drawing/2014/main" id="{83654C58-85CD-3D1F-F361-5B5A6A97D373}"/>
+              </a:ext>
+            </a:extLst>
+          </p:cNvPr>
+          <p:cNvSpPr>
+            <a:spLocks noGrp="1"/>
+          </p:cNvSpPr>
+          <p:nvPr>
+            <p:ph type="sldNum" sz="quarter" idx="10"/>
+          </p:nvPr>
+        </p:nvSpPr>
+        <p:spPr/>
+        <p:txBody>
+          <a:bodyPr/>
+          <a:lstStyle/>
+          <a:p>
+            <a:fld id="{018E2434-2E4F-4CA6-AD8F-EC6088967E7D}" type="slidenum">
+              <a:rPr lang="fr-CA" smtClean="0"/>
+              <a:t>12</a:t>
+            </a:fld>
+            <a:endParaRPr lang="fr-CA"/>
+          </a:p>
+        </p:txBody>
+      </p:sp>
+    </p:spTree>
+    <p:extLst>
+      <p:ext uri="{BB962C8B-B14F-4D97-AF65-F5344CB8AC3E}">
+        <p14:creationId xmlns:p14="http://schemas.microsoft.com/office/powerpoint/2010/main" val="2604892534"/>
+      </p:ext>
+    </p:extLst>
+  </p:cSld>
+  <p:clrMapOvr>
+    <a:masterClrMapping/>
+  </p:clrMapOvr>
+</p:sld>
+</file>
+
+<file path=ppt/slides/slide13.xml><?xml version="1.0" encoding="utf-8"?>
+<p:sld xmlns:a="http://schemas.openxmlformats.org/drawingml/2006/main" xmlns:r="http://schemas.openxmlformats.org/officeDocument/2006/relationships" xmlns:p="http://schemas.openxmlformats.org/presentationml/2006/main">
+  <p:cSld>
+    <p:spTree>
+      <p:nvGrpSpPr>
+        <p:cNvPr id="1" name=""/>
+        <p:cNvGrpSpPr/>
+        <p:nvPr/>
+      </p:nvGrpSpPr>
+      <p:grpSpPr>
+        <a:xfrm>
+          <a:off x="0" y="0"/>
+          <a:ext cx="0" cy="0"/>
+          <a:chOff x="0" y="0"/>
+          <a:chExt cx="0" cy="0"/>
+        </a:xfrm>
+      </p:grpSpPr>
+      <p:sp>
+        <p:nvSpPr>
+          <p:cNvPr id="2" name="Titre 1">
+            <a:extLst>
+              <a:ext uri="{FF2B5EF4-FFF2-40B4-BE49-F238E27FC236}">
+                <a16:creationId xmlns:a16="http://schemas.microsoft.com/office/drawing/2014/main" id="{7A1EFDDA-0466-A773-5F66-CD6971085ACC}"/>
+              </a:ext>
+            </a:extLst>
+          </p:cNvPr>
+          <p:cNvSpPr>
+            <a:spLocks noGrp="1"/>
+          </p:cNvSpPr>
+          <p:nvPr>
+            <p:ph type="ctrTitle"/>
+          </p:nvPr>
+        </p:nvSpPr>
+        <p:spPr/>
+        <p:txBody>
+          <a:bodyPr/>
+          <a:lstStyle/>
+          <a:p>
+            <a:r>
+              <a:rPr lang="fr-CA"/>
+              <a:t>Démonstration</a:t>
+            </a:r>
+          </a:p>
+        </p:txBody>
+      </p:sp>
+    </p:spTree>
+    <p:extLst>
+      <p:ext uri="{BB962C8B-B14F-4D97-AF65-F5344CB8AC3E}">
+        <p14:creationId xmlns:p14="http://schemas.microsoft.com/office/powerpoint/2010/main" val="346058709"/>
+      </p:ext>
+    </p:extLst>
+  </p:cSld>
+  <p:clrMapOvr>
+    <a:masterClrMapping/>
+  </p:clrMapOvr>
+</p:sld>
+</file>
+
+<file path=ppt/slides/slide14.xml><?xml version="1.0" encoding="utf-8"?>
+<p:sld xmlns:a="http://schemas.openxmlformats.org/drawingml/2006/main" xmlns:r="http://schemas.openxmlformats.org/officeDocument/2006/relationships" xmlns:p="http://schemas.openxmlformats.org/presentationml/2006/main">
+  <p:cSld>
+    <p:spTree>
+      <p:nvGrpSpPr>
+        <p:cNvPr id="1" name=""/>
+        <p:cNvGrpSpPr/>
+        <p:nvPr/>
+      </p:nvGrpSpPr>
+      <p:grpSpPr>
+        <a:xfrm>
+          <a:off x="0" y="0"/>
+          <a:ext cx="0" cy="0"/>
+          <a:chOff x="0" y="0"/>
+          <a:chExt cx="0" cy="0"/>
+        </a:xfrm>
+      </p:grpSpPr>
+      <p:sp>
+        <p:nvSpPr>
+          <p:cNvPr id="2" name="Titre 1">
+            <a:extLst>
+              <a:ext uri="{FF2B5EF4-FFF2-40B4-BE49-F238E27FC236}">
+                <a16:creationId xmlns:a16="http://schemas.microsoft.com/office/drawing/2014/main" id="{ED7A2CBE-E4B9-85C4-FD38-BC234EF78679}"/>
+              </a:ext>
+            </a:extLst>
+          </p:cNvPr>
+          <p:cNvSpPr>
+            <a:spLocks noGrp="1"/>
+          </p:cNvSpPr>
+          <p:nvPr>
+            <p:ph type="title"/>
+          </p:nvPr>
+        </p:nvSpPr>
+        <p:spPr/>
+        <p:txBody>
+          <a:bodyPr/>
+          <a:lstStyle/>
+          <a:p>
+            <a:r>
+              <a:rPr lang="fr-CA"/>
+              <a:t>Conclusion et recommandations</a:t>
+            </a:r>
+          </a:p>
+        </p:txBody>
+      </p:sp>
+      <p:sp>
+        <p:nvSpPr>
+          <p:cNvPr id="3" name="Espace réservé du contenu 2">
+            <a:extLst>
+              <a:ext uri="{FF2B5EF4-FFF2-40B4-BE49-F238E27FC236}">
+                <a16:creationId xmlns:a16="http://schemas.microsoft.com/office/drawing/2014/main" id="{750D0957-219A-8219-6B80-95D48D76D663}"/>
+              </a:ext>
+            </a:extLst>
+          </p:cNvPr>
+          <p:cNvSpPr>
+            <a:spLocks noGrp="1"/>
+          </p:cNvSpPr>
+          <p:nvPr>
+            <p:ph idx="1"/>
+          </p:nvPr>
+        </p:nvSpPr>
+        <p:spPr/>
+        <p:txBody>
+          <a:bodyPr/>
+          <a:lstStyle/>
+          <a:p>
+            <a:pPr marL="457200" indent="-457200">
+              <a:buFont typeface="Arial" panose="020B0604020202020204" pitchFamily="34" charset="0"/>
+              <a:buChar char="•"/>
+            </a:pPr>
+            <a:r>
+              <a:rPr lang="fr-CA"/>
+              <a:t>Difficulté des labyrinthes</a:t>
+            </a:r>
+          </a:p>
+        </p:txBody>
+      </p:sp>
+      <p:sp>
+        <p:nvSpPr>
+          <p:cNvPr id="4" name="Espace réservé du numéro de diapositive 3">
+            <a:extLst>
+              <a:ext uri="{FF2B5EF4-FFF2-40B4-BE49-F238E27FC236}">
+                <a16:creationId xmlns:a16="http://schemas.microsoft.com/office/drawing/2014/main" id="{B6D765C5-2B54-81A7-A1E5-C83669A012A7}"/>
+              </a:ext>
+            </a:extLst>
+          </p:cNvPr>
+          <p:cNvSpPr>
+            <a:spLocks noGrp="1"/>
+          </p:cNvSpPr>
+          <p:nvPr>
+            <p:ph type="sldNum" sz="quarter" idx="10"/>
+          </p:nvPr>
+        </p:nvSpPr>
+        <p:spPr/>
+        <p:txBody>
+          <a:bodyPr/>
+          <a:lstStyle/>
+          <a:p>
+            <a:fld id="{018E2434-2E4F-4CA6-AD8F-EC6088967E7D}" type="slidenum">
+              <a:rPr lang="fr-CA" smtClean="0"/>
+              <a:t>14</a:t>
+            </a:fld>
+            <a:endParaRPr lang="fr-CA"/>
+          </a:p>
+        </p:txBody>
+      </p:sp>
+    </p:spTree>
+    <p:extLst>
+      <p:ext uri="{BB962C8B-B14F-4D97-AF65-F5344CB8AC3E}">
+        <p14:creationId xmlns:p14="http://schemas.microsoft.com/office/powerpoint/2010/main" val="4129373920"/>
+      </p:ext>
+    </p:extLst>
+  </p:cSld>
+  <p:clrMapOvr>
+    <a:masterClrMapping/>
+  </p:clrMapOvr>
+</p:sld>
+</file>
+
+<file path=ppt/slides/slide15.xml><?xml version="1.0" encoding="utf-8"?>
+<p:sld xmlns:a="http://schemas.openxmlformats.org/drawingml/2006/main" xmlns:r="http://schemas.openxmlformats.org/officeDocument/2006/relationships" xmlns:p="http://schemas.openxmlformats.org/presentationml/2006/main">
+  <p:cSld>
+    <p:spTree>
+      <p:nvGrpSpPr>
+        <p:cNvPr id="1" name=""/>
+        <p:cNvGrpSpPr/>
+        <p:nvPr/>
+      </p:nvGrpSpPr>
+      <p:grpSpPr>
+        <a:xfrm>
+          <a:off x="0" y="0"/>
+          <a:ext cx="0" cy="0"/>
+          <a:chOff x="0" y="0"/>
+          <a:chExt cx="0" cy="0"/>
+        </a:xfrm>
+      </p:grpSpPr>
+      <p:sp>
+        <p:nvSpPr>
+          <p:cNvPr id="2" name="Titre 1">
+            <a:extLst>
+              <a:ext uri="{FF2B5EF4-FFF2-40B4-BE49-F238E27FC236}">
+                <a16:creationId xmlns:a16="http://schemas.microsoft.com/office/drawing/2014/main" id="{D0B66B8D-2793-43FC-354A-F641F663F96A}"/>
+              </a:ext>
+            </a:extLst>
+          </p:cNvPr>
+          <p:cNvSpPr>
+            <a:spLocks noGrp="1"/>
+          </p:cNvSpPr>
+          <p:nvPr>
+            <p:ph type="ctrTitle"/>
+          </p:nvPr>
+        </p:nvSpPr>
+        <p:spPr/>
+        <p:txBody>
+          <a:bodyPr/>
+          <a:lstStyle/>
+          <a:p>
+            <a:r>
+              <a:rPr lang="fr-CA"/>
+              <a:t>Question</a:t>
+            </a:r>
+          </a:p>
+        </p:txBody>
+      </p:sp>
+    </p:spTree>
+    <p:extLst>
+      <p:ext uri="{BB962C8B-B14F-4D97-AF65-F5344CB8AC3E}">
+        <p14:creationId xmlns:p14="http://schemas.microsoft.com/office/powerpoint/2010/main" val="2893093991"/>
       </p:ext>
     </p:extLst>
   </p:cSld>
@@ -5112,7 +7199,7 @@
           <a:lstStyle/>
           <a:p>
             <a:r>
-              <a:rPr lang="fr-CA" dirty="0"/>
+              <a:rPr lang="fr-CA"/>
               <a:t>Schéma-bloc du système</a:t>
             </a:r>
           </a:p>
@@ -5168,7 +7255,7 @@
               <a:rPr lang="fr-CA" smtClean="0"/>
               <a:t>2</a:t>
             </a:fld>
-            <a:endParaRPr lang="fr-CA" dirty="0"/>
+            <a:endParaRPr lang="fr-CA"/>
           </a:p>
         </p:txBody>
       </p:sp>
@@ -5224,7 +7311,7 @@
           <a:lstStyle/>
           <a:p>
             <a:r>
-              <a:rPr lang="fr-CA" dirty="0"/>
+              <a:rPr lang="fr-CA"/>
               <a:t>Système expert (LPO)</a:t>
             </a:r>
           </a:p>
@@ -5246,11 +7333,54 @@
             <p:ph idx="1"/>
           </p:nvPr>
         </p:nvSpPr>
-        <p:spPr/>
+        <p:spPr>
+          <a:xfrm>
+            <a:off x="5560052" y="1610290"/>
+            <a:ext cx="6296159" cy="4231710"/>
+          </a:xfrm>
+        </p:spPr>
         <p:txBody>
           <a:bodyPr/>
           <a:lstStyle/>
           <a:p>
+            <a:pPr marL="457200" indent="-457200">
+              <a:buFont typeface="Arial" panose="020B0604020202020204" pitchFamily="34" charset="0"/>
+              <a:buChar char="•"/>
+            </a:pPr>
+            <a:r>
+              <a:rPr lang="fr-CA"/>
+              <a:t>LPO pour les problèmes symboliques</a:t>
+            </a:r>
+          </a:p>
+          <a:p>
+            <a:pPr marL="457200" indent="-457200">
+              <a:buFont typeface="Arial" panose="020B0604020202020204" pitchFamily="34" charset="0"/>
+              <a:buChar char="•"/>
+            </a:pPr>
+            <a:r>
+              <a:rPr lang="fr-CA" err="1"/>
+              <a:t>Swiplserver</a:t>
+            </a:r>
+            <a:r>
+              <a:rPr lang="fr-CA"/>
+              <a:t> et python</a:t>
+            </a:r>
+          </a:p>
+          <a:p>
+            <a:pPr marL="457200" indent="-457200">
+              <a:buFont typeface="Arial" panose="020B0604020202020204" pitchFamily="34" charset="0"/>
+              <a:buChar char="•"/>
+            </a:pPr>
+            <a:r>
+              <a:rPr lang="fr-CA"/>
+              <a:t>Prolog</a:t>
+            </a:r>
+          </a:p>
+          <a:p>
+            <a:pPr marL="457200" indent="-457200">
+              <a:buFont typeface="Arial" panose="020B0604020202020204" pitchFamily="34" charset="0"/>
+              <a:buChar char="•"/>
+            </a:pPr>
             <a:endParaRPr lang="fr-CA"/>
           </a:p>
         </p:txBody>
@@ -5280,10 +7410,70 @@
               <a:rPr lang="fr-CA" smtClean="0"/>
               <a:t>3</a:t>
             </a:fld>
-            <a:endParaRPr lang="fr-CA" dirty="0"/>
-          </a:p>
-        </p:txBody>
-      </p:sp>
+            <a:endParaRPr lang="fr-CA"/>
+          </a:p>
+        </p:txBody>
+      </p:sp>
+      <p:pic>
+        <p:nvPicPr>
+          <p:cNvPr id="6" name="Image 5">
+            <a:extLst>
+              <a:ext uri="{FF2B5EF4-FFF2-40B4-BE49-F238E27FC236}">
+                <a16:creationId xmlns:a16="http://schemas.microsoft.com/office/drawing/2014/main" id="{0FE92CAD-6CEE-F68F-101A-17C3F3F3F68B}"/>
+              </a:ext>
+            </a:extLst>
+          </p:cNvPr>
+          <p:cNvPicPr>
+            <a:picLocks noChangeAspect="1"/>
+          </p:cNvPicPr>
+          <p:nvPr/>
+        </p:nvPicPr>
+        <p:blipFill>
+          <a:blip r:embed="rId3"/>
+          <a:stretch>
+            <a:fillRect/>
+          </a:stretch>
+        </p:blipFill>
+        <p:spPr>
+          <a:xfrm>
+            <a:off x="704672" y="1736749"/>
+            <a:ext cx="4855380" cy="4105251"/>
+          </a:xfrm>
+          <a:prstGeom prst="rect">
+            <a:avLst/>
+          </a:prstGeom>
+        </p:spPr>
+      </p:pic>
+      <p:pic>
+        <p:nvPicPr>
+          <p:cNvPr id="7" name="Image 6">
+            <a:extLst>
+              <a:ext uri="{FF2B5EF4-FFF2-40B4-BE49-F238E27FC236}">
+                <a16:creationId xmlns:a16="http://schemas.microsoft.com/office/drawing/2014/main" id="{68D57D02-F1C6-19DA-D3B4-D14AF073EF6D}"/>
+              </a:ext>
+            </a:extLst>
+          </p:cNvPr>
+          <p:cNvPicPr>
+            <a:picLocks noChangeAspect="1"/>
+          </p:cNvPicPr>
+          <p:nvPr/>
+        </p:nvPicPr>
+        <p:blipFill>
+          <a:blip r:embed="rId4"/>
+          <a:stretch>
+            <a:fillRect/>
+          </a:stretch>
+        </p:blipFill>
+        <p:spPr>
+          <a:xfrm>
+            <a:off x="8407473" y="3582581"/>
+            <a:ext cx="1801064" cy="2259419"/>
+          </a:xfrm>
+          <a:prstGeom prst="rect">
+            <a:avLst/>
+          </a:prstGeom>
+        </p:spPr>
+      </p:pic>
     </p:spTree>
     <p:extLst>
       <p:ext uri="{BB962C8B-B14F-4D97-AF65-F5344CB8AC3E}">
@@ -5302,7 +7492,13 @@
   <p:cSld>
     <p:spTree>
       <p:nvGrpSpPr>
-        <p:cNvPr id="1" name=""/>
+        <p:cNvPr id="1" name="">
+          <a:extLst>
+            <a:ext uri="{FF2B5EF4-FFF2-40B4-BE49-F238E27FC236}">
+              <a16:creationId xmlns:a16="http://schemas.microsoft.com/office/drawing/2014/main" id="{99F4429E-1E7F-9DF3-7F3E-4C1CB0A227B0}"/>
+            </a:ext>
+          </a:extLst>
+        </p:cNvPr>
         <p:cNvGrpSpPr/>
         <p:nvPr/>
       </p:nvGrpSpPr>
@@ -5319,7 +7515,7 @@
           <p:cNvPr id="2" name="Titre 1">
             <a:extLst>
               <a:ext uri="{FF2B5EF4-FFF2-40B4-BE49-F238E27FC236}">
-                <a16:creationId xmlns:a16="http://schemas.microsoft.com/office/drawing/2014/main" id="{3B4C8CD5-EF2C-A2FC-851F-703623698BC9}"/>
+                <a16:creationId xmlns:a16="http://schemas.microsoft.com/office/drawing/2014/main" id="{7FAACC57-2F51-F4F8-61A2-3D8655E77F5F}"/>
               </a:ext>
             </a:extLst>
           </p:cNvPr>
@@ -5336,18 +7532,18 @@
           <a:lstStyle/>
           <a:p>
             <a:r>
-              <a:rPr lang="fr-CA" dirty="0"/>
-              <a:t>Planificateur (A*)</a:t>
-            </a:r>
-          </a:p>
-        </p:txBody>
-      </p:sp>
-      <p:sp>
-        <p:nvSpPr>
-          <p:cNvPr id="3" name="Espace réservé du contenu 2">
+              <a:rPr lang="fr-CA"/>
+              <a:t>Système expert (LPO)</a:t>
+            </a:r>
+          </a:p>
+        </p:txBody>
+      </p:sp>
+      <p:sp>
+        <p:nvSpPr>
+          <p:cNvPr id="4" name="Espace réservé du numéro de diapositive 3">
             <a:extLst>
               <a:ext uri="{FF2B5EF4-FFF2-40B4-BE49-F238E27FC236}">
-                <a16:creationId xmlns:a16="http://schemas.microsoft.com/office/drawing/2014/main" id="{F6A0ED0D-9527-3433-51F1-8AAAD3A83BFC}"/>
+                <a16:creationId xmlns:a16="http://schemas.microsoft.com/office/drawing/2014/main" id="{4CFAE9FB-2094-3BB4-730E-41DD635CB728}"/>
               </a:ext>
             </a:extLst>
           </p:cNvPr>
@@ -5355,31 +7551,6 @@
             <a:spLocks noGrp="1"/>
           </p:cNvSpPr>
           <p:nvPr>
-            <p:ph idx="1"/>
-          </p:nvPr>
-        </p:nvSpPr>
-        <p:spPr/>
-        <p:txBody>
-          <a:bodyPr/>
-          <a:lstStyle/>
-          <a:p>
-            <a:endParaRPr lang="fr-CA"/>
-          </a:p>
-        </p:txBody>
-      </p:sp>
-      <p:sp>
-        <p:nvSpPr>
-          <p:cNvPr id="4" name="Espace réservé du numéro de diapositive 3">
-            <a:extLst>
-              <a:ext uri="{FF2B5EF4-FFF2-40B4-BE49-F238E27FC236}">
-                <a16:creationId xmlns:a16="http://schemas.microsoft.com/office/drawing/2014/main" id="{EC75D59B-D831-7598-129C-6BC3AEF71832}"/>
-              </a:ext>
-            </a:extLst>
-          </p:cNvPr>
-          <p:cNvSpPr>
-            <a:spLocks noGrp="1"/>
-          </p:cNvSpPr>
-          <p:nvPr>
             <p:ph type="sldNum" sz="quarter" idx="10"/>
           </p:nvPr>
         </p:nvSpPr>
@@ -5392,14 +7563,45 @@
               <a:rPr lang="fr-CA" smtClean="0"/>
               <a:t>4</a:t>
             </a:fld>
-            <a:endParaRPr lang="fr-CA" dirty="0"/>
-          </a:p>
-        </p:txBody>
-      </p:sp>
+            <a:endParaRPr lang="fr-CA"/>
+          </a:p>
+        </p:txBody>
+      </p:sp>
+      <p:pic>
+        <p:nvPicPr>
+          <p:cNvPr id="8" name="Image 7">
+            <a:extLst>
+              <a:ext uri="{FF2B5EF4-FFF2-40B4-BE49-F238E27FC236}">
+                <a16:creationId xmlns:a16="http://schemas.microsoft.com/office/drawing/2014/main" id="{CE817CBB-5215-50F8-8000-54319F9F29CF}"/>
+              </a:ext>
+            </a:extLst>
+          </p:cNvPr>
+          <p:cNvPicPr>
+            <a:picLocks noChangeAspect="1"/>
+          </p:cNvPicPr>
+          <p:nvPr/>
+        </p:nvPicPr>
+        <p:blipFill>
+          <a:blip r:embed="rId3"/>
+          <a:srcRect r="1468"/>
+          <a:stretch>
+            <a:fillRect/>
+          </a:stretch>
+        </p:blipFill>
+        <p:spPr>
+          <a:xfrm>
+            <a:off x="2027529" y="1536520"/>
+            <a:ext cx="8136937" cy="4982670"/>
+          </a:xfrm>
+          <a:prstGeom prst="rect">
+            <a:avLst/>
+          </a:prstGeom>
+        </p:spPr>
+      </p:pic>
     </p:spTree>
     <p:extLst>
       <p:ext uri="{BB962C8B-B14F-4D97-AF65-F5344CB8AC3E}">
-        <p14:creationId xmlns:p14="http://schemas.microsoft.com/office/powerpoint/2010/main" val="1812395361"/>
+        <p14:creationId xmlns:p14="http://schemas.microsoft.com/office/powerpoint/2010/main" val="1992194460"/>
       </p:ext>
     </p:extLst>
   </p:cSld>
@@ -5414,7 +7616,13 @@
   <p:cSld>
     <p:spTree>
       <p:nvGrpSpPr>
-        <p:cNvPr id="1" name=""/>
+        <p:cNvPr id="1" name="">
+          <a:extLst>
+            <a:ext uri="{FF2B5EF4-FFF2-40B4-BE49-F238E27FC236}">
+              <a16:creationId xmlns:a16="http://schemas.microsoft.com/office/drawing/2014/main" id="{39994FB9-C05E-9875-0984-1D29B24771CC}"/>
+            </a:ext>
+          </a:extLst>
+        </p:cNvPr>
         <p:cNvGrpSpPr/>
         <p:nvPr/>
       </p:nvGrpSpPr>
@@ -5431,7 +7639,7 @@
           <p:cNvPr id="2" name="Titre 1">
             <a:extLst>
               <a:ext uri="{FF2B5EF4-FFF2-40B4-BE49-F238E27FC236}">
-                <a16:creationId xmlns:a16="http://schemas.microsoft.com/office/drawing/2014/main" id="{21D9A975-90FA-782A-FA59-3B03D37F0398}"/>
+                <a16:creationId xmlns:a16="http://schemas.microsoft.com/office/drawing/2014/main" id="{22112E0C-7329-A090-5F9C-6A92731E2997}"/>
               </a:ext>
             </a:extLst>
           </p:cNvPr>
@@ -5448,18 +7656,18 @@
           <a:lstStyle/>
           <a:p>
             <a:r>
-              <a:rPr lang="fr-CA" dirty="0"/>
-              <a:t>Algorithme Génétique</a:t>
-            </a:r>
-          </a:p>
-        </p:txBody>
-      </p:sp>
-      <p:sp>
-        <p:nvSpPr>
-          <p:cNvPr id="3" name="Espace réservé du contenu 2">
+              <a:rPr lang="fr-CA"/>
+              <a:t>Système expert (LPO)</a:t>
+            </a:r>
+          </a:p>
+        </p:txBody>
+      </p:sp>
+      <p:sp>
+        <p:nvSpPr>
+          <p:cNvPr id="4" name="Espace réservé du numéro de diapositive 3">
             <a:extLst>
               <a:ext uri="{FF2B5EF4-FFF2-40B4-BE49-F238E27FC236}">
-                <a16:creationId xmlns:a16="http://schemas.microsoft.com/office/drawing/2014/main" id="{EF8CD875-2C25-CBFF-44E9-CBF444437B2F}"/>
+                <a16:creationId xmlns:a16="http://schemas.microsoft.com/office/drawing/2014/main" id="{84B614DA-7EC8-3182-0FFA-60FDF8180348}"/>
               </a:ext>
             </a:extLst>
           </p:cNvPr>
@@ -5467,31 +7675,6 @@
             <a:spLocks noGrp="1"/>
           </p:cNvSpPr>
           <p:nvPr>
-            <p:ph idx="1"/>
-          </p:nvPr>
-        </p:nvSpPr>
-        <p:spPr/>
-        <p:txBody>
-          <a:bodyPr/>
-          <a:lstStyle/>
-          <a:p>
-            <a:endParaRPr lang="fr-CA"/>
-          </a:p>
-        </p:txBody>
-      </p:sp>
-      <p:sp>
-        <p:nvSpPr>
-          <p:cNvPr id="4" name="Espace réservé du numéro de diapositive 3">
-            <a:extLst>
-              <a:ext uri="{FF2B5EF4-FFF2-40B4-BE49-F238E27FC236}">
-                <a16:creationId xmlns:a16="http://schemas.microsoft.com/office/drawing/2014/main" id="{F6F92013-9B6B-DC23-37EE-4D52284467A8}"/>
-              </a:ext>
-            </a:extLst>
-          </p:cNvPr>
-          <p:cNvSpPr>
-            <a:spLocks noGrp="1"/>
-          </p:cNvSpPr>
-          <p:nvPr>
             <p:ph type="sldNum" sz="quarter" idx="10"/>
           </p:nvPr>
         </p:nvSpPr>
@@ -5504,14 +7687,677 @@
               <a:rPr lang="fr-CA" smtClean="0"/>
               <a:t>5</a:t>
             </a:fld>
-            <a:endParaRPr lang="fr-CA" dirty="0"/>
-          </a:p>
-        </p:txBody>
-      </p:sp>
+            <a:endParaRPr lang="fr-CA"/>
+          </a:p>
+        </p:txBody>
+      </p:sp>
+      <mc:AlternateContent xmlns:mc="http://schemas.openxmlformats.org/markup-compatibility/2006">
+        <mc:Choice xmlns:a14="http://schemas.microsoft.com/office/drawing/2010/main" Requires="a14">
+          <p:sp>
+            <p:nvSpPr>
+              <p:cNvPr id="5" name="Espace réservé du contenu 4">
+                <a:extLst>
+                  <a:ext uri="{FF2B5EF4-FFF2-40B4-BE49-F238E27FC236}">
+                    <a16:creationId xmlns:a16="http://schemas.microsoft.com/office/drawing/2014/main" id="{FDFFE53C-A263-5EB8-A9CD-4DA6CF2633C7}"/>
+                  </a:ext>
+                </a:extLst>
+              </p:cNvPr>
+              <p:cNvSpPr>
+                <a:spLocks noGrp="1"/>
+              </p:cNvSpPr>
+              <p:nvPr>
+                <p:ph idx="1"/>
+              </p:nvPr>
+            </p:nvSpPr>
+            <p:spPr>
+              <a:xfrm>
+                <a:off x="623392" y="3150279"/>
+                <a:ext cx="5897863" cy="3250521"/>
+              </a:xfrm>
+            </p:spPr>
+            <p:txBody>
+              <a:bodyPr/>
+              <a:lstStyle/>
+              <a:p>
+                <a:pPr/>
+                <a14:m>
+                  <m:oMathPara xmlns:m="http://schemas.openxmlformats.org/officeDocument/2006/math">
+                    <m:oMathParaPr>
+                      <m:jc m:val="centerGroup"/>
+                    </m:oMathParaPr>
+                    <m:oMath xmlns:m="http://schemas.openxmlformats.org/officeDocument/2006/math">
+                      <m:r>
+                        <a:rPr lang="fr-CA" sz="2800" b="0" i="1" smtClean="0">
+                          <a:latin typeface="Cambria Math" panose="02040503050406030204" pitchFamily="18" charset="0"/>
+                        </a:rPr>
+                        <m:t>[</m:t>
+                      </m:r>
+                      <m:r>
+                        <m:rPr>
+                          <m:nor/>
+                        </m:rPr>
+                        <a:rPr lang="fr-CA" sz="2800" b="0" i="0" smtClean="0">
+                          <a:latin typeface="Cambria Math" panose="02040503050406030204" pitchFamily="18" charset="0"/>
+                        </a:rPr>
+                        <m:t>"</m:t>
+                      </m:r>
+                      <m:r>
+                        <m:rPr>
+                          <m:nor/>
+                        </m:rPr>
+                        <a:rPr lang="fr-CA" sz="2800" b="0" i="0" smtClean="0">
+                          <a:solidFill>
+                            <a:schemeClr val="accent6"/>
+                          </a:solidFill>
+                          <a:latin typeface="Cambria Math" panose="02040503050406030204" pitchFamily="18" charset="0"/>
+                        </a:rPr>
+                        <m:t>gold</m:t>
+                      </m:r>
+                      <m:r>
+                        <m:rPr>
+                          <m:nor/>
+                        </m:rPr>
+                        <a:rPr lang="fr-CA" sz="2800" b="0" i="0" smtClean="0">
+                          <a:latin typeface="Cambria Math" panose="02040503050406030204" pitchFamily="18" charset="0"/>
+                        </a:rPr>
+                        <m:t>", "</m:t>
+                      </m:r>
+                      <m:r>
+                        <m:rPr>
+                          <m:nor/>
+                        </m:rPr>
+                        <a:rPr lang="fr-CA" sz="2800" b="0" i="0" smtClean="0">
+                          <a:solidFill>
+                            <a:srgbClr val="FF0000"/>
+                          </a:solidFill>
+                          <a:latin typeface="Cambria Math" panose="02040503050406030204" pitchFamily="18" charset="0"/>
+                        </a:rPr>
+                        <m:t>red</m:t>
+                      </m:r>
+                      <m:r>
+                        <m:rPr>
+                          <m:nor/>
+                        </m:rPr>
+                        <a:rPr lang="fr-CA" sz="2800" b="0" i="0" smtClean="0">
+                          <a:latin typeface="Cambria Math" panose="02040503050406030204" pitchFamily="18" charset="0"/>
+                        </a:rPr>
+                        <m:t>", "</m:t>
+                      </m:r>
+                      <m:r>
+                        <m:rPr>
+                          <m:nor/>
+                        </m:rPr>
+                        <a:rPr lang="fr-CA" sz="2800" b="0" i="0" smtClean="0">
+                          <a:solidFill>
+                            <a:srgbClr val="0070C0"/>
+                          </a:solidFill>
+                          <a:latin typeface="Cambria Math" panose="02040503050406030204" pitchFamily="18" charset="0"/>
+                        </a:rPr>
+                        <m:t>blue</m:t>
+                      </m:r>
+                      <m:r>
+                        <m:rPr>
+                          <m:nor/>
+                        </m:rPr>
+                        <a:rPr lang="fr-CA" sz="2800" b="0" i="0" smtClean="0">
+                          <a:latin typeface="Cambria Math" panose="02040503050406030204" pitchFamily="18" charset="0"/>
+                        </a:rPr>
+                        <m:t>", "</m:t>
+                      </m:r>
+                      <m:r>
+                        <m:rPr>
+                          <m:nor/>
+                        </m:rPr>
+                        <a:rPr lang="fr-CA" sz="2800" b="0" i="0" smtClean="0">
+                          <a:latin typeface="Cambria Math" panose="02040503050406030204" pitchFamily="18" charset="0"/>
+                        </a:rPr>
+                        <m:t>white</m:t>
+                      </m:r>
+                      <m:r>
+                        <m:rPr>
+                          <m:nor/>
+                        </m:rPr>
+                        <a:rPr lang="fr-CA" sz="2800" b="0" i="0" smtClean="0">
+                          <a:latin typeface="Cambria Math" panose="02040503050406030204" pitchFamily="18" charset="0"/>
+                        </a:rPr>
+                        <m:t>", "","",""]</m:t>
+                      </m:r>
+                    </m:oMath>
+                  </m:oMathPara>
+                </a14:m>
+                <a:endParaRPr lang="fr-CA" sz="2800" b="0"/>
+              </a:p>
+              <a:p>
+                <a:pPr/>
+                <a14:m>
+                  <m:oMathPara xmlns:m="http://schemas.openxmlformats.org/officeDocument/2006/math">
+                    <m:oMathParaPr>
+                      <m:jc m:val="centerGroup"/>
+                    </m:oMathParaPr>
+                    <m:oMath xmlns:m="http://schemas.openxmlformats.org/officeDocument/2006/math">
+                      <m:r>
+                        <a:rPr lang="fr-CA" sz="2800" i="1">
+                          <a:latin typeface="Cambria Math" panose="02040503050406030204" pitchFamily="18" charset="0"/>
+                        </a:rPr>
+                        <m:t>[</m:t>
+                      </m:r>
+                      <m:r>
+                        <m:rPr>
+                          <m:nor/>
+                        </m:rPr>
+                        <a:rPr lang="fr-CA" sz="2800">
+                          <a:latin typeface="Cambria Math" panose="02040503050406030204" pitchFamily="18" charset="0"/>
+                        </a:rPr>
+                        <m:t>"</m:t>
+                      </m:r>
+                      <m:r>
+                        <m:rPr>
+                          <m:nor/>
+                        </m:rPr>
+                        <a:rPr lang="fr-CA" sz="2800">
+                          <a:solidFill>
+                            <a:schemeClr val="accent6"/>
+                          </a:solidFill>
+                          <a:latin typeface="Cambria Math" panose="02040503050406030204" pitchFamily="18" charset="0"/>
+                        </a:rPr>
+                        <m:t>gold</m:t>
+                      </m:r>
+                      <m:r>
+                        <m:rPr>
+                          <m:nor/>
+                        </m:rPr>
+                        <a:rPr lang="fr-CA" sz="2800">
+                          <a:latin typeface="Cambria Math" panose="02040503050406030204" pitchFamily="18" charset="0"/>
+                        </a:rPr>
+                        <m:t>"</m:t>
+                      </m:r>
+                      <m:r>
+                        <m:rPr>
+                          <m:nor/>
+                        </m:rPr>
+                        <a:rPr lang="fr-CA" sz="2800" b="0" i="0" smtClean="0">
+                          <a:latin typeface="Cambria Math" panose="02040503050406030204" pitchFamily="18" charset="0"/>
+                        </a:rPr>
+                        <m:t>]</m:t>
+                      </m:r>
+                      <m:r>
+                        <m:rPr>
+                          <m:nor/>
+                        </m:rPr>
+                        <a:rPr lang="fr-CA" sz="2800">
+                          <a:latin typeface="Cambria Math" panose="02040503050406030204" pitchFamily="18" charset="0"/>
+                        </a:rPr>
+                        <m:t>, </m:t>
+                      </m:r>
+                      <m:r>
+                        <m:rPr>
+                          <m:nor/>
+                        </m:rPr>
+                        <a:rPr lang="fr-CA" sz="2800" b="0" i="0" smtClean="0">
+                          <a:latin typeface="Cambria Math" panose="02040503050406030204" pitchFamily="18" charset="0"/>
+                        </a:rPr>
+                        <m:t>[</m:t>
+                      </m:r>
+                      <m:r>
+                        <m:rPr>
+                          <m:nor/>
+                        </m:rPr>
+                        <a:rPr lang="fr-CA" sz="2800">
+                          <a:latin typeface="Cambria Math" panose="02040503050406030204" pitchFamily="18" charset="0"/>
+                        </a:rPr>
+                        <m:t>"</m:t>
+                      </m:r>
+                      <m:r>
+                        <m:rPr>
+                          <m:nor/>
+                        </m:rPr>
+                        <a:rPr lang="fr-CA" sz="2800">
+                          <a:solidFill>
+                            <a:srgbClr val="FF0000"/>
+                          </a:solidFill>
+                          <a:latin typeface="Cambria Math" panose="02040503050406030204" pitchFamily="18" charset="0"/>
+                        </a:rPr>
+                        <m:t>red</m:t>
+                      </m:r>
+                      <m:r>
+                        <m:rPr>
+                          <m:nor/>
+                        </m:rPr>
+                        <a:rPr lang="fr-CA" sz="2800">
+                          <a:latin typeface="Cambria Math" panose="02040503050406030204" pitchFamily="18" charset="0"/>
+                        </a:rPr>
+                        <m:t>", "</m:t>
+                      </m:r>
+                      <m:r>
+                        <m:rPr>
+                          <m:nor/>
+                        </m:rPr>
+                        <a:rPr lang="fr-CA" sz="2800">
+                          <a:solidFill>
+                            <a:srgbClr val="0070C0"/>
+                          </a:solidFill>
+                          <a:latin typeface="Cambria Math" panose="02040503050406030204" pitchFamily="18" charset="0"/>
+                        </a:rPr>
+                        <m:t>blue</m:t>
+                      </m:r>
+                      <m:r>
+                        <m:rPr>
+                          <m:nor/>
+                        </m:rPr>
+                        <a:rPr lang="fr-CA" sz="2800">
+                          <a:latin typeface="Cambria Math" panose="02040503050406030204" pitchFamily="18" charset="0"/>
+                        </a:rPr>
+                        <m:t>", "</m:t>
+                      </m:r>
+                      <m:r>
+                        <m:rPr>
+                          <m:nor/>
+                        </m:rPr>
+                        <a:rPr lang="fr-CA" sz="2800">
+                          <a:latin typeface="Cambria Math" panose="02040503050406030204" pitchFamily="18" charset="0"/>
+                        </a:rPr>
+                        <m:t>white</m:t>
+                      </m:r>
+                      <m:r>
+                        <m:rPr>
+                          <m:nor/>
+                        </m:rPr>
+                        <a:rPr lang="fr-CA" sz="2800">
+                          <a:latin typeface="Cambria Math" panose="02040503050406030204" pitchFamily="18" charset="0"/>
+                        </a:rPr>
+                        <m:t>","","",""]</m:t>
+                      </m:r>
+                    </m:oMath>
+                  </m:oMathPara>
+                </a14:m>
+                <a:endParaRPr lang="fr-CA" sz="2800"/>
+              </a:p>
+              <a:p>
+                <a:pPr/>
+                <a14:m>
+                  <m:oMathPara xmlns:m="http://schemas.openxmlformats.org/officeDocument/2006/math">
+                    <m:oMathParaPr>
+                      <m:jc m:val="centerGroup"/>
+                    </m:oMathParaPr>
+                    <m:oMath xmlns:m="http://schemas.openxmlformats.org/officeDocument/2006/math">
+                      <m:r>
+                        <a:rPr lang="fr-CA" sz="2800" i="1">
+                          <a:latin typeface="Cambria Math" panose="02040503050406030204" pitchFamily="18" charset="0"/>
+                        </a:rPr>
+                        <m:t>[</m:t>
+                      </m:r>
+                      <m:r>
+                        <m:rPr>
+                          <m:nor/>
+                        </m:rPr>
+                        <a:rPr lang="fr-CA" sz="2800">
+                          <a:latin typeface="Cambria Math" panose="02040503050406030204" pitchFamily="18" charset="0"/>
+                        </a:rPr>
+                        <m:t>"</m:t>
+                      </m:r>
+                      <m:r>
+                        <m:rPr>
+                          <m:nor/>
+                        </m:rPr>
+                        <a:rPr lang="fr-CA" sz="2800">
+                          <a:solidFill>
+                            <a:schemeClr val="accent6"/>
+                          </a:solidFill>
+                          <a:latin typeface="Cambria Math" panose="02040503050406030204" pitchFamily="18" charset="0"/>
+                        </a:rPr>
+                        <m:t>gold</m:t>
+                      </m:r>
+                      <m:r>
+                        <m:rPr>
+                          <m:nor/>
+                        </m:rPr>
+                        <a:rPr lang="fr-CA" sz="2800">
+                          <a:latin typeface="Cambria Math" panose="02040503050406030204" pitchFamily="18" charset="0"/>
+                        </a:rPr>
+                        <m:t>"</m:t>
+                      </m:r>
+                      <m:r>
+                        <m:rPr>
+                          <m:nor/>
+                        </m:rPr>
+                        <a:rPr lang="fr-CA" sz="2800" b="0" i="0" smtClean="0">
+                          <a:latin typeface="Cambria Math" panose="02040503050406030204" pitchFamily="18" charset="0"/>
+                        </a:rPr>
+                        <m:t>][</m:t>
+                      </m:r>
+                      <m:r>
+                        <m:rPr>
+                          <m:nor/>
+                        </m:rPr>
+                        <a:rPr lang="fr-CA" sz="2800">
+                          <a:latin typeface="Cambria Math" panose="02040503050406030204" pitchFamily="18" charset="0"/>
+                        </a:rPr>
+                        <m:t>"</m:t>
+                      </m:r>
+                      <m:r>
+                        <m:rPr>
+                          <m:nor/>
+                        </m:rPr>
+                        <a:rPr lang="fr-CA" sz="2800">
+                          <a:solidFill>
+                            <a:srgbClr val="FF0000"/>
+                          </a:solidFill>
+                          <a:latin typeface="Cambria Math" panose="02040503050406030204" pitchFamily="18" charset="0"/>
+                        </a:rPr>
+                        <m:t>red</m:t>
+                      </m:r>
+                      <m:r>
+                        <m:rPr>
+                          <m:nor/>
+                        </m:rPr>
+                        <a:rPr lang="fr-CA" sz="2800">
+                          <a:latin typeface="Cambria Math" panose="02040503050406030204" pitchFamily="18" charset="0"/>
+                        </a:rPr>
+                        <m:t>", "</m:t>
+                      </m:r>
+                      <m:r>
+                        <m:rPr>
+                          <m:nor/>
+                        </m:rPr>
+                        <a:rPr lang="fr-CA" sz="2800">
+                          <a:solidFill>
+                            <a:srgbClr val="0070C0"/>
+                          </a:solidFill>
+                          <a:latin typeface="Cambria Math" panose="02040503050406030204" pitchFamily="18" charset="0"/>
+                        </a:rPr>
+                        <m:t>blue</m:t>
+                      </m:r>
+                      <m:r>
+                        <m:rPr>
+                          <m:nor/>
+                        </m:rPr>
+                        <a:rPr lang="fr-CA" sz="2800">
+                          <a:latin typeface="Cambria Math" panose="02040503050406030204" pitchFamily="18" charset="0"/>
+                        </a:rPr>
+                        <m:t>", "</m:t>
+                      </m:r>
+                      <m:r>
+                        <m:rPr>
+                          <m:nor/>
+                        </m:rPr>
+                        <a:rPr lang="fr-CA" sz="2800">
+                          <a:latin typeface="Cambria Math" panose="02040503050406030204" pitchFamily="18" charset="0"/>
+                        </a:rPr>
+                        <m:t>white</m:t>
+                      </m:r>
+                      <m:r>
+                        <m:rPr>
+                          <m:nor/>
+                        </m:rPr>
+                        <a:rPr lang="fr-CA" sz="2800">
+                          <a:latin typeface="Cambria Math" panose="02040503050406030204" pitchFamily="18" charset="0"/>
+                        </a:rPr>
+                        <m:t>"]</m:t>
+                      </m:r>
+                    </m:oMath>
+                  </m:oMathPara>
+                </a14:m>
+                <a:endParaRPr lang="fr-CA" sz="2800"/>
+              </a:p>
+              <a:p>
+                <a:pPr/>
+                <a14:m>
+                  <m:oMathPara xmlns:m="http://schemas.openxmlformats.org/officeDocument/2006/math">
+                    <m:oMathParaPr>
+                      <m:jc m:val="centerGroup"/>
+                    </m:oMathParaPr>
+                    <m:oMath xmlns:m="http://schemas.openxmlformats.org/officeDocument/2006/math">
+                      <m:r>
+                        <a:rPr lang="fr-CA" sz="2800" i="1">
+                          <a:latin typeface="Cambria Math" panose="02040503050406030204" pitchFamily="18" charset="0"/>
+                        </a:rPr>
+                        <m:t>[</m:t>
+                      </m:r>
+                      <m:r>
+                        <m:rPr>
+                          <m:nor/>
+                        </m:rPr>
+                        <a:rPr lang="fr-CA" sz="2800">
+                          <a:latin typeface="Cambria Math" panose="02040503050406030204" pitchFamily="18" charset="0"/>
+                        </a:rPr>
+                        <m:t>"</m:t>
+                      </m:r>
+                      <m:r>
+                        <m:rPr>
+                          <m:nor/>
+                        </m:rPr>
+                        <a:rPr lang="fr-CA" sz="2800">
+                          <a:solidFill>
+                            <a:schemeClr val="accent6"/>
+                          </a:solidFill>
+                          <a:latin typeface="Cambria Math" panose="02040503050406030204" pitchFamily="18" charset="0"/>
+                        </a:rPr>
+                        <m:t>gold</m:t>
+                      </m:r>
+                      <m:r>
+                        <m:rPr>
+                          <m:nor/>
+                        </m:rPr>
+                        <a:rPr lang="fr-CA" sz="2800">
+                          <a:latin typeface="Cambria Math" panose="02040503050406030204" pitchFamily="18" charset="0"/>
+                        </a:rPr>
+                        <m:t>"]["</m:t>
+                      </m:r>
+                      <m:r>
+                        <m:rPr>
+                          <m:nor/>
+                        </m:rPr>
+                        <a:rPr lang="fr-CA" sz="2800">
+                          <a:solidFill>
+                            <a:srgbClr val="FF0000"/>
+                          </a:solidFill>
+                          <a:latin typeface="Cambria Math" panose="02040503050406030204" pitchFamily="18" charset="0"/>
+                        </a:rPr>
+                        <m:t>red</m:t>
+                      </m:r>
+                      <m:r>
+                        <m:rPr>
+                          <m:nor/>
+                        </m:rPr>
+                        <a:rPr lang="fr-CA" sz="2800">
+                          <a:latin typeface="Cambria Math" panose="02040503050406030204" pitchFamily="18" charset="0"/>
+                        </a:rPr>
+                        <m:t>", "</m:t>
+                      </m:r>
+                      <m:r>
+                        <m:rPr>
+                          <m:nor/>
+                        </m:rPr>
+                        <a:rPr lang="fr-CA" sz="2800">
+                          <a:solidFill>
+                            <a:srgbClr val="0070C0"/>
+                          </a:solidFill>
+                          <a:latin typeface="Cambria Math" panose="02040503050406030204" pitchFamily="18" charset="0"/>
+                        </a:rPr>
+                        <m:t>blue</m:t>
+                      </m:r>
+                      <m:r>
+                        <m:rPr>
+                          <m:nor/>
+                        </m:rPr>
+                        <a:rPr lang="fr-CA" sz="2800">
+                          <a:latin typeface="Cambria Math" panose="02040503050406030204" pitchFamily="18" charset="0"/>
+                        </a:rPr>
+                        <m:t>", "</m:t>
+                      </m:r>
+                      <m:r>
+                        <m:rPr>
+                          <m:nor/>
+                        </m:rPr>
+                        <a:rPr lang="fr-CA" sz="2800">
+                          <a:latin typeface="Cambria Math" panose="02040503050406030204" pitchFamily="18" charset="0"/>
+                        </a:rPr>
+                        <m:t>white</m:t>
+                      </m:r>
+                      <m:r>
+                        <m:rPr>
+                          <m:nor/>
+                        </m:rPr>
+                        <a:rPr lang="fr-CA" sz="2800">
+                          <a:latin typeface="Cambria Math" panose="02040503050406030204" pitchFamily="18" charset="0"/>
+                        </a:rPr>
+                        <m:t>"][3][</m:t>
+                      </m:r>
+                      <m:r>
+                        <m:rPr>
+                          <m:nor/>
+                        </m:rPr>
+                        <a:rPr lang="fr-CA" sz="2800" b="0" i="0" smtClean="0">
+                          <a:latin typeface="Cambria Math" panose="02040503050406030204" pitchFamily="18" charset="0"/>
+                        </a:rPr>
+                        <m:t>Cle</m:t>
+                      </m:r>
+                      <m:r>
+                        <m:rPr>
+                          <m:nor/>
+                        </m:rPr>
+                        <a:rPr lang="fr-CA" sz="2800" b="0" i="0" smtClean="0">
+                          <a:latin typeface="Cambria Math" panose="02040503050406030204" pitchFamily="18" charset="0"/>
+                        </a:rPr>
+                        <m:t>]</m:t>
+                      </m:r>
+                    </m:oMath>
+                  </m:oMathPara>
+                </a14:m>
+                <a:endParaRPr lang="fr-CA" sz="2800"/>
+              </a:p>
+              <a:p>
+                <a:endParaRPr lang="fr-CA" sz="2800"/>
+              </a:p>
+              <a:p>
+                <a:endParaRPr lang="fr-CA" sz="2800"/>
+              </a:p>
+              <a:p>
+                <a:endParaRPr lang="fr-CA" sz="2800"/>
+              </a:p>
+              <a:p>
+                <a:endParaRPr lang="fr-CA"/>
+              </a:p>
+              <a:p>
+                <a:endParaRPr lang="fr-CA" b="0"/>
+              </a:p>
+              <a:p>
+                <a:endParaRPr lang="fr-CA" b="0"/>
+              </a:p>
+              <a:p>
+                <a:endParaRPr lang="fr-CA"/>
+              </a:p>
+            </p:txBody>
+          </p:sp>
+        </mc:Choice>
+        <mc:Fallback>
+          <p:sp>
+            <p:nvSpPr>
+              <p:cNvPr id="5" name="Espace réservé du contenu 4">
+                <a:extLst>
+                  <a:ext uri="{FF2B5EF4-FFF2-40B4-BE49-F238E27FC236}">
+                    <a16:creationId xmlns:a16="http://schemas.microsoft.com/office/drawing/2014/main" id="{FDFFE53C-A263-5EB8-A9CD-4DA6CF2633C7}"/>
+                  </a:ext>
+                </a:extLst>
+              </p:cNvPr>
+              <p:cNvSpPr>
+                <a:spLocks noGrp="1" noRot="1" noChangeAspect="1" noMove="1" noResize="1" noEditPoints="1" noAdjustHandles="1" noChangeArrowheads="1" noChangeShapeType="1" noTextEdit="1"/>
+              </p:cNvSpPr>
+              <p:nvPr>
+                <p:ph idx="1"/>
+              </p:nvPr>
+            </p:nvSpPr>
+            <p:spPr>
+              <a:xfrm>
+                <a:off x="623392" y="3150279"/>
+                <a:ext cx="5897863" cy="3250521"/>
+              </a:xfrm>
+              <a:blipFill>
+                <a:blip r:embed="rId3"/>
+                <a:stretch>
+                  <a:fillRect/>
+                </a:stretch>
+              </a:blipFill>
+            </p:spPr>
+            <p:txBody>
+              <a:bodyPr/>
+              <a:lstStyle/>
+              <a:p>
+                <a:r>
+                  <a:rPr lang="en-US">
+                    <a:noFill/>
+                  </a:rPr>
+                  <a:t> </a:t>
+                </a:r>
+              </a:p>
+            </p:txBody>
+          </p:sp>
+        </mc:Fallback>
+      </mc:AlternateContent>
+      <p:pic>
+        <p:nvPicPr>
+          <p:cNvPr id="6" name="Image 5">
+            <a:extLst>
+              <a:ext uri="{FF2B5EF4-FFF2-40B4-BE49-F238E27FC236}">
+                <a16:creationId xmlns:a16="http://schemas.microsoft.com/office/drawing/2014/main" id="{24E3B44C-128E-880F-267F-194A55580057}"/>
+              </a:ext>
+            </a:extLst>
+          </p:cNvPr>
+          <p:cNvPicPr>
+            <a:picLocks noChangeAspect="1"/>
+          </p:cNvPicPr>
+          <p:nvPr/>
+        </p:nvPicPr>
+        <p:blipFill>
+          <a:blip r:embed="rId4"/>
+          <a:stretch>
+            <a:fillRect/>
+          </a:stretch>
+        </p:blipFill>
+        <p:spPr>
+          <a:xfrm>
+            <a:off x="452868" y="1536520"/>
+            <a:ext cx="6439544" cy="1270860"/>
+          </a:xfrm>
+          <a:prstGeom prst="rect">
+            <a:avLst/>
+          </a:prstGeom>
+        </p:spPr>
+      </p:pic>
+      <p:pic>
+        <p:nvPicPr>
+          <p:cNvPr id="9" name="Image 8">
+            <a:extLst>
+              <a:ext uri="{FF2B5EF4-FFF2-40B4-BE49-F238E27FC236}">
+                <a16:creationId xmlns:a16="http://schemas.microsoft.com/office/drawing/2014/main" id="{89540C21-DF77-720A-74A8-62A1C5E20FB4}"/>
+              </a:ext>
+            </a:extLst>
+          </p:cNvPr>
+          <p:cNvPicPr>
+            <a:picLocks noChangeAspect="1"/>
+          </p:cNvPicPr>
+          <p:nvPr/>
+        </p:nvPicPr>
+        <p:blipFill>
+          <a:blip r:embed="rId5"/>
+          <a:stretch>
+            <a:fillRect/>
+          </a:stretch>
+        </p:blipFill>
+        <p:spPr>
+          <a:xfrm>
+            <a:off x="7018881" y="1536520"/>
+            <a:ext cx="5104294" cy="3089629"/>
+          </a:xfrm>
+          <a:prstGeom prst="rect">
+            <a:avLst/>
+          </a:prstGeom>
+        </p:spPr>
+      </p:pic>
     </p:spTree>
     <p:extLst>
       <p:ext uri="{BB962C8B-B14F-4D97-AF65-F5344CB8AC3E}">
-        <p14:creationId xmlns:p14="http://schemas.microsoft.com/office/powerpoint/2010/main" val="1585842068"/>
+        <p14:creationId xmlns:p14="http://schemas.microsoft.com/office/powerpoint/2010/main" val="1905596405"/>
       </p:ext>
     </p:extLst>
   </p:cSld>
@@ -5526,7 +8372,13 @@
   <p:cSld>
     <p:spTree>
       <p:nvGrpSpPr>
-        <p:cNvPr id="1" name=""/>
+        <p:cNvPr id="1" name="">
+          <a:extLst>
+            <a:ext uri="{FF2B5EF4-FFF2-40B4-BE49-F238E27FC236}">
+              <a16:creationId xmlns:a16="http://schemas.microsoft.com/office/drawing/2014/main" id="{0C7AD0C9-9873-F01B-523A-31B86F03619C}"/>
+            </a:ext>
+          </a:extLst>
+        </p:cNvPr>
         <p:cNvGrpSpPr/>
         <p:nvPr/>
       </p:nvGrpSpPr>
@@ -5543,7 +8395,7 @@
           <p:cNvPr id="2" name="Titre 1">
             <a:extLst>
               <a:ext uri="{FF2B5EF4-FFF2-40B4-BE49-F238E27FC236}">
-                <a16:creationId xmlns:a16="http://schemas.microsoft.com/office/drawing/2014/main" id="{73703859-6607-3441-7D9F-637F19E66E11}"/>
+                <a16:creationId xmlns:a16="http://schemas.microsoft.com/office/drawing/2014/main" id="{5FFC0667-3D98-4C16-598B-4768671179EC}"/>
               </a:ext>
             </a:extLst>
           </p:cNvPr>
@@ -5560,8 +8412,8 @@
           <a:lstStyle/>
           <a:p>
             <a:r>
-              <a:rPr lang="fr-CA" dirty="0"/>
-              <a:t>Logique floue</a:t>
+              <a:rPr lang="fr-CA"/>
+              <a:t>Système expert (LPO)</a:t>
             </a:r>
           </a:p>
         </p:txBody>
@@ -5571,7 +8423,7 @@
           <p:cNvPr id="3" name="Espace réservé du contenu 2">
             <a:extLst>
               <a:ext uri="{FF2B5EF4-FFF2-40B4-BE49-F238E27FC236}">
-                <a16:creationId xmlns:a16="http://schemas.microsoft.com/office/drawing/2014/main" id="{8E76E5D2-15B1-8626-7FAB-BDD604D3862B}"/>
+                <a16:creationId xmlns:a16="http://schemas.microsoft.com/office/drawing/2014/main" id="{52BEFDF5-B9ED-0A42-A682-D4561E6DBC13}"/>
               </a:ext>
             </a:extLst>
           </p:cNvPr>
@@ -5582,12 +8434,67 @@
             <p:ph idx="1"/>
           </p:nvPr>
         </p:nvSpPr>
-        <p:spPr/>
+        <p:spPr>
+          <a:xfrm>
+            <a:off x="6095998" y="2169125"/>
+            <a:ext cx="5955210" cy="2892556"/>
+          </a:xfrm>
+        </p:spPr>
         <p:txBody>
           <a:bodyPr/>
           <a:lstStyle/>
           <a:p>
-            <a:endParaRPr lang="fr-CA"/>
+            <a:pPr marL="457200" indent="-457200">
+              <a:buFont typeface="Arial" panose="020B0604020202020204" pitchFamily="34" charset="0"/>
+              <a:buChar char="•"/>
+            </a:pPr>
+            <a:r>
+              <a:rPr lang="fr-CA" sz="2000"/>
+              <a:t>S'il n'y a pas de cristal rouge, retirer le deuxième cristal. </a:t>
+            </a:r>
+          </a:p>
+          <a:p>
+            <a:pPr marL="457200" indent="-457200">
+              <a:buFont typeface="Arial" panose="020B0604020202020204" pitchFamily="34" charset="0"/>
+              <a:buChar char="•"/>
+            </a:pPr>
+            <a:r>
+              <a:rPr lang="fr-CA" sz="2000"/>
+              <a:t>Sinon, si le dernier cristal est blanc, retirer le dernier cristal. </a:t>
+            </a:r>
+          </a:p>
+          <a:p>
+            <a:pPr marL="457200" indent="-457200">
+              <a:buFont typeface="Arial" panose="020B0604020202020204" pitchFamily="34" charset="0"/>
+              <a:buChar char="•"/>
+            </a:pPr>
+            <a:r>
+              <a:rPr lang="fr-CA" sz="2000"/>
+              <a:t>Sinon, s'il y a plus d'un cristal bleu, retirer le dernier cristal bleu. </a:t>
+            </a:r>
+          </a:p>
+          <a:p>
+            <a:pPr marL="457200" indent="-457200">
+              <a:buFont typeface="Arial" panose="020B0604020202020204" pitchFamily="34" charset="0"/>
+              <a:buChar char="•"/>
+            </a:pPr>
+            <a:r>
+              <a:rPr lang="fr-CA" sz="2000"/>
+              <a:t>Sinon, retirer le premier cristal.</a:t>
+            </a:r>
+          </a:p>
+          <a:p>
+            <a:pPr marL="457200" indent="-457200">
+              <a:buFont typeface="Arial" panose="020B0604020202020204" pitchFamily="34" charset="0"/>
+              <a:buChar char="•"/>
+            </a:pPr>
+            <a:endParaRPr lang="fr-CA" sz="2000"/>
+          </a:p>
+          <a:p>
+            <a:r>
+              <a:rPr lang="fr-CA" sz="2000"/>
+              <a:t>Opérateur de coupe (!)</a:t>
+            </a:r>
           </a:p>
         </p:txBody>
       </p:sp>
@@ -5596,7 +8503,7 @@
           <p:cNvPr id="4" name="Espace réservé du numéro de diapositive 3">
             <a:extLst>
               <a:ext uri="{FF2B5EF4-FFF2-40B4-BE49-F238E27FC236}">
-                <a16:creationId xmlns:a16="http://schemas.microsoft.com/office/drawing/2014/main" id="{83654C58-85CD-3D1F-F361-5B5A6A97D373}"/>
+                <a16:creationId xmlns:a16="http://schemas.microsoft.com/office/drawing/2014/main" id="{5FB3726C-8B75-D541-719A-A95CFD4548F3}"/>
               </a:ext>
             </a:extLst>
           </p:cNvPr>
@@ -5616,14 +8523,45 @@
               <a:rPr lang="fr-CA" smtClean="0"/>
               <a:t>6</a:t>
             </a:fld>
-            <a:endParaRPr lang="fr-CA" dirty="0"/>
-          </a:p>
-        </p:txBody>
-      </p:sp>
+            <a:endParaRPr lang="fr-CA"/>
+          </a:p>
+        </p:txBody>
+      </p:sp>
+      <p:pic>
+        <p:nvPicPr>
+          <p:cNvPr id="7" name="Image 6">
+            <a:extLst>
+              <a:ext uri="{FF2B5EF4-FFF2-40B4-BE49-F238E27FC236}">
+                <a16:creationId xmlns:a16="http://schemas.microsoft.com/office/drawing/2014/main" id="{7208D433-828A-A986-6F2D-233FD30548F5}"/>
+              </a:ext>
+            </a:extLst>
+          </p:cNvPr>
+          <p:cNvPicPr>
+            <a:picLocks noChangeAspect="1"/>
+          </p:cNvPicPr>
+          <p:nvPr/>
+        </p:nvPicPr>
+        <p:blipFill>
+          <a:blip r:embed="rId3"/>
+          <a:srcRect r="2344"/>
+          <a:stretch>
+            <a:fillRect/>
+          </a:stretch>
+        </p:blipFill>
+        <p:spPr>
+          <a:xfrm>
+            <a:off x="337566" y="2089847"/>
+            <a:ext cx="5558275" cy="3051113"/>
+          </a:xfrm>
+          <a:prstGeom prst="rect">
+            <a:avLst/>
+          </a:prstGeom>
+        </p:spPr>
+      </p:pic>
     </p:spTree>
     <p:extLst>
       <p:ext uri="{BB962C8B-B14F-4D97-AF65-F5344CB8AC3E}">
-        <p14:creationId xmlns:p14="http://schemas.microsoft.com/office/powerpoint/2010/main" val="2604892534"/>
+        <p14:creationId xmlns:p14="http://schemas.microsoft.com/office/powerpoint/2010/main" val="1818669577"/>
       </p:ext>
     </p:extLst>
   </p:cSld>
@@ -5638,7 +8576,13 @@
   <p:cSld>
     <p:spTree>
       <p:nvGrpSpPr>
-        <p:cNvPr id="1" name=""/>
+        <p:cNvPr id="1" name="">
+          <a:extLst>
+            <a:ext uri="{FF2B5EF4-FFF2-40B4-BE49-F238E27FC236}">
+              <a16:creationId xmlns:a16="http://schemas.microsoft.com/office/drawing/2014/main" id="{D41490BD-1980-6401-815C-77174FA6F34D}"/>
+            </a:ext>
+          </a:extLst>
+        </p:cNvPr>
         <p:cNvGrpSpPr/>
         <p:nvPr/>
       </p:nvGrpSpPr>
@@ -5655,7 +8599,7 @@
           <p:cNvPr id="2" name="Titre 1">
             <a:extLst>
               <a:ext uri="{FF2B5EF4-FFF2-40B4-BE49-F238E27FC236}">
-                <a16:creationId xmlns:a16="http://schemas.microsoft.com/office/drawing/2014/main" id="{7A1EFDDA-0466-A773-5F66-CD6971085ACC}"/>
+                <a16:creationId xmlns:a16="http://schemas.microsoft.com/office/drawing/2014/main" id="{72C090A4-7BE8-C99A-67D5-6D413E454D01}"/>
               </a:ext>
             </a:extLst>
           </p:cNvPr>
@@ -5663,7 +8607,7 @@
             <a:spLocks noGrp="1"/>
           </p:cNvSpPr>
           <p:nvPr>
-            <p:ph type="ctrTitle"/>
+            <p:ph type="title"/>
           </p:nvPr>
         </p:nvSpPr>
         <p:spPr/>
@@ -5672,16 +8616,105 @@
           <a:lstStyle/>
           <a:p>
             <a:r>
-              <a:rPr lang="fr-CA" dirty="0"/>
-              <a:t>Démonstration</a:t>
-            </a:r>
-          </a:p>
-        </p:txBody>
-      </p:sp>
+              <a:rPr lang="fr-CA"/>
+              <a:t>Système expert (LPO)</a:t>
+            </a:r>
+          </a:p>
+        </p:txBody>
+      </p:sp>
+      <p:sp>
+        <p:nvSpPr>
+          <p:cNvPr id="4" name="Espace réservé du numéro de diapositive 3">
+            <a:extLst>
+              <a:ext uri="{FF2B5EF4-FFF2-40B4-BE49-F238E27FC236}">
+                <a16:creationId xmlns:a16="http://schemas.microsoft.com/office/drawing/2014/main" id="{F43CDD8D-2A75-0C29-C8EB-4C1156DDB08E}"/>
+              </a:ext>
+            </a:extLst>
+          </p:cNvPr>
+          <p:cNvSpPr>
+            <a:spLocks noGrp="1"/>
+          </p:cNvSpPr>
+          <p:nvPr>
+            <p:ph type="sldNum" sz="quarter" idx="10"/>
+          </p:nvPr>
+        </p:nvSpPr>
+        <p:spPr/>
+        <p:txBody>
+          <a:bodyPr/>
+          <a:lstStyle/>
+          <a:p>
+            <a:fld id="{018E2434-2E4F-4CA6-AD8F-EC6088967E7D}" type="slidenum">
+              <a:rPr lang="fr-CA" smtClean="0"/>
+              <a:t>7</a:t>
+            </a:fld>
+            <a:endParaRPr lang="fr-CA"/>
+          </a:p>
+        </p:txBody>
+      </p:sp>
+      <p:pic>
+        <p:nvPicPr>
+          <p:cNvPr id="10" name="Image 9">
+            <a:extLst>
+              <a:ext uri="{FF2B5EF4-FFF2-40B4-BE49-F238E27FC236}">
+                <a16:creationId xmlns:a16="http://schemas.microsoft.com/office/drawing/2014/main" id="{D56F71B3-BBF2-17E4-7D3A-8B26654B10C6}"/>
+              </a:ext>
+            </a:extLst>
+          </p:cNvPr>
+          <p:cNvPicPr>
+            <a:picLocks noChangeAspect="1"/>
+          </p:cNvPicPr>
+          <p:nvPr/>
+        </p:nvPicPr>
+        <p:blipFill>
+          <a:blip r:embed="rId3"/>
+          <a:stretch>
+            <a:fillRect/>
+          </a:stretch>
+        </p:blipFill>
+        <p:spPr>
+          <a:xfrm>
+            <a:off x="7136172" y="2188305"/>
+            <a:ext cx="4017382" cy="2966422"/>
+          </a:xfrm>
+          <a:prstGeom prst="rect">
+            <a:avLst/>
+          </a:prstGeom>
+        </p:spPr>
+      </p:pic>
+      <p:pic>
+        <p:nvPicPr>
+          <p:cNvPr id="12" name="Image 11">
+            <a:extLst>
+              <a:ext uri="{FF2B5EF4-FFF2-40B4-BE49-F238E27FC236}">
+                <a16:creationId xmlns:a16="http://schemas.microsoft.com/office/drawing/2014/main" id="{434C9AAA-DDE3-D264-6623-7FF6B4652954}"/>
+              </a:ext>
+            </a:extLst>
+          </p:cNvPr>
+          <p:cNvPicPr>
+            <a:picLocks noChangeAspect="1"/>
+          </p:cNvPicPr>
+          <p:nvPr/>
+        </p:nvPicPr>
+        <p:blipFill>
+          <a:blip r:embed="rId4"/>
+          <a:stretch>
+            <a:fillRect/>
+          </a:stretch>
+        </p:blipFill>
+        <p:spPr>
+          <a:xfrm>
+            <a:off x="797402" y="1536520"/>
+            <a:ext cx="5607708" cy="4630364"/>
+          </a:xfrm>
+          <a:prstGeom prst="rect">
+            <a:avLst/>
+          </a:prstGeom>
+        </p:spPr>
+      </p:pic>
     </p:spTree>
     <p:extLst>
       <p:ext uri="{BB962C8B-B14F-4D97-AF65-F5344CB8AC3E}">
-        <p14:creationId xmlns:p14="http://schemas.microsoft.com/office/powerpoint/2010/main" val="346058709"/>
+        <p14:creationId xmlns:p14="http://schemas.microsoft.com/office/powerpoint/2010/main" val="1993343809"/>
       </p:ext>
     </p:extLst>
   </p:cSld>
@@ -5713,7 +8746,7 @@
           <p:cNvPr id="2" name="Titre 1">
             <a:extLst>
               <a:ext uri="{FF2B5EF4-FFF2-40B4-BE49-F238E27FC236}">
-                <a16:creationId xmlns:a16="http://schemas.microsoft.com/office/drawing/2014/main" id="{ED7A2CBE-E4B9-85C4-FD38-BC234EF78679}"/>
+                <a16:creationId xmlns:a16="http://schemas.microsoft.com/office/drawing/2014/main" id="{3B4C8CD5-EF2C-A2FC-851F-703623698BC9}"/>
               </a:ext>
             </a:extLst>
           </p:cNvPr>
@@ -5730,8 +8763,8 @@
           <a:lstStyle/>
           <a:p>
             <a:r>
-              <a:rPr lang="fr-CA" dirty="0"/>
-              <a:t>Conclusion et recommandations</a:t>
+              <a:rPr lang="fr-CA"/>
+              <a:t>Planificateur (A*)</a:t>
             </a:r>
           </a:p>
         </p:txBody>
@@ -5741,7 +8774,7 @@
           <p:cNvPr id="3" name="Espace réservé du contenu 2">
             <a:extLst>
               <a:ext uri="{FF2B5EF4-FFF2-40B4-BE49-F238E27FC236}">
-                <a16:creationId xmlns:a16="http://schemas.microsoft.com/office/drawing/2014/main" id="{750D0957-219A-8219-6B80-95D48D76D663}"/>
+                <a16:creationId xmlns:a16="http://schemas.microsoft.com/office/drawing/2014/main" id="{F6A0ED0D-9527-3433-51F1-8AAAD3A83BFC}"/>
               </a:ext>
             </a:extLst>
           </p:cNvPr>
@@ -5752,19 +8785,17 @@
             <p:ph idx="1"/>
           </p:nvPr>
         </p:nvSpPr>
-        <p:spPr/>
+        <p:spPr>
+          <a:xfrm>
+            <a:off x="5146158" y="1610290"/>
+            <a:ext cx="6710053" cy="4314988"/>
+          </a:xfrm>
+        </p:spPr>
         <p:txBody>
           <a:bodyPr/>
           <a:lstStyle/>
           <a:p>
-            <a:pPr marL="457200" indent="-457200">
-              <a:buFont typeface="Arial" panose="020B0604020202020204" pitchFamily="34" charset="0"/>
-              <a:buChar char="•"/>
-            </a:pPr>
-            <a:r>
-              <a:rPr lang="fr-CA" dirty="0"/>
-              <a:t>Difficulté des labyrinthes</a:t>
-            </a:r>
+            <a:endParaRPr lang="fr-CA"/>
           </a:p>
         </p:txBody>
       </p:sp>
@@ -5773,7 +8804,7 @@
           <p:cNvPr id="4" name="Espace réservé du numéro de diapositive 3">
             <a:extLst>
               <a:ext uri="{FF2B5EF4-FFF2-40B4-BE49-F238E27FC236}">
-                <a16:creationId xmlns:a16="http://schemas.microsoft.com/office/drawing/2014/main" id="{B6D765C5-2B54-81A7-A1E5-C83669A012A7}"/>
+                <a16:creationId xmlns:a16="http://schemas.microsoft.com/office/drawing/2014/main" id="{EC75D59B-D831-7598-129C-6BC3AEF71832}"/>
               </a:ext>
             </a:extLst>
           </p:cNvPr>
@@ -5793,14 +8824,44 @@
               <a:rPr lang="fr-CA" smtClean="0"/>
               <a:t>8</a:t>
             </a:fld>
-            <a:endParaRPr lang="fr-CA" dirty="0"/>
-          </a:p>
-        </p:txBody>
-      </p:sp>
+            <a:endParaRPr lang="fr-CA"/>
+          </a:p>
+        </p:txBody>
+      </p:sp>
+      <p:pic>
+        <p:nvPicPr>
+          <p:cNvPr id="6" name="Image 5">
+            <a:extLst>
+              <a:ext uri="{FF2B5EF4-FFF2-40B4-BE49-F238E27FC236}">
+                <a16:creationId xmlns:a16="http://schemas.microsoft.com/office/drawing/2014/main" id="{DCDD544D-A646-6E65-F8B8-9EC3A7C29326}"/>
+              </a:ext>
+            </a:extLst>
+          </p:cNvPr>
+          <p:cNvPicPr>
+            <a:picLocks noChangeAspect="1"/>
+          </p:cNvPicPr>
+          <p:nvPr/>
+        </p:nvPicPr>
+        <p:blipFill>
+          <a:blip r:embed="rId2"/>
+          <a:stretch>
+            <a:fillRect/>
+          </a:stretch>
+        </p:blipFill>
+        <p:spPr>
+          <a:xfrm>
+            <a:off x="623392" y="1648115"/>
+            <a:ext cx="3959241" cy="4359165"/>
+          </a:xfrm>
+          <a:prstGeom prst="rect">
+            <a:avLst/>
+          </a:prstGeom>
+        </p:spPr>
+      </p:pic>
     </p:spTree>
     <p:extLst>
       <p:ext uri="{BB962C8B-B14F-4D97-AF65-F5344CB8AC3E}">
-        <p14:creationId xmlns:p14="http://schemas.microsoft.com/office/powerpoint/2010/main" val="4129373920"/>
+        <p14:creationId xmlns:p14="http://schemas.microsoft.com/office/powerpoint/2010/main" val="1812395361"/>
       </p:ext>
     </p:extLst>
   </p:cSld>
@@ -5815,7 +8876,13 @@
   <p:cSld>
     <p:spTree>
       <p:nvGrpSpPr>
-        <p:cNvPr id="1" name=""/>
+        <p:cNvPr id="1" name="">
+          <a:extLst>
+            <a:ext uri="{FF2B5EF4-FFF2-40B4-BE49-F238E27FC236}">
+              <a16:creationId xmlns:a16="http://schemas.microsoft.com/office/drawing/2014/main" id="{5847DE98-6DA9-D748-7E46-321EFA1C528A}"/>
+            </a:ext>
+          </a:extLst>
+        </p:cNvPr>
         <p:cNvGrpSpPr/>
         <p:nvPr/>
       </p:nvGrpSpPr>
@@ -5832,7 +8899,7 @@
           <p:cNvPr id="2" name="Titre 1">
             <a:extLst>
               <a:ext uri="{FF2B5EF4-FFF2-40B4-BE49-F238E27FC236}">
-                <a16:creationId xmlns:a16="http://schemas.microsoft.com/office/drawing/2014/main" id="{D0B66B8D-2793-43FC-354A-F641F663F96A}"/>
+                <a16:creationId xmlns:a16="http://schemas.microsoft.com/office/drawing/2014/main" id="{650BFA71-4DA2-5421-D354-1012B64C7C25}"/>
               </a:ext>
             </a:extLst>
           </p:cNvPr>
@@ -5840,7 +8907,7 @@
             <a:spLocks noGrp="1"/>
           </p:cNvSpPr>
           <p:nvPr>
-            <p:ph type="ctrTitle"/>
+            <p:ph type="title"/>
           </p:nvPr>
         </p:nvSpPr>
         <p:spPr/>
@@ -5849,16 +8916,75 @@
           <a:lstStyle/>
           <a:p>
             <a:r>
-              <a:rPr lang="fr-CA" dirty="0"/>
-              <a:t>Question</a:t>
-            </a:r>
+              <a:rPr lang="fr-CA"/>
+              <a:t>Planificateur (A*)</a:t>
+            </a:r>
+          </a:p>
+        </p:txBody>
+      </p:sp>
+      <p:sp>
+        <p:nvSpPr>
+          <p:cNvPr id="3" name="Espace réservé du contenu 2">
+            <a:extLst>
+              <a:ext uri="{FF2B5EF4-FFF2-40B4-BE49-F238E27FC236}">
+                <a16:creationId xmlns:a16="http://schemas.microsoft.com/office/drawing/2014/main" id="{B2527B17-0CA1-37FB-B94F-1B9A20E89A37}"/>
+              </a:ext>
+            </a:extLst>
+          </p:cNvPr>
+          <p:cNvSpPr>
+            <a:spLocks noGrp="1"/>
+          </p:cNvSpPr>
+          <p:nvPr>
+            <p:ph idx="1"/>
+          </p:nvPr>
+        </p:nvSpPr>
+        <p:spPr>
+          <a:xfrm>
+            <a:off x="5146158" y="1610290"/>
+            <a:ext cx="6710053" cy="4314988"/>
+          </a:xfrm>
+        </p:spPr>
+        <p:txBody>
+          <a:bodyPr/>
+          <a:lstStyle/>
+          <a:p>
+            <a:endParaRPr lang="fr-CA"/>
+          </a:p>
+        </p:txBody>
+      </p:sp>
+      <p:sp>
+        <p:nvSpPr>
+          <p:cNvPr id="4" name="Espace réservé du numéro de diapositive 3">
+            <a:extLst>
+              <a:ext uri="{FF2B5EF4-FFF2-40B4-BE49-F238E27FC236}">
+                <a16:creationId xmlns:a16="http://schemas.microsoft.com/office/drawing/2014/main" id="{C3E0E375-1292-06D0-BDCD-61F62DE4E636}"/>
+              </a:ext>
+            </a:extLst>
+          </p:cNvPr>
+          <p:cNvSpPr>
+            <a:spLocks noGrp="1"/>
+          </p:cNvSpPr>
+          <p:nvPr>
+            <p:ph type="sldNum" sz="quarter" idx="10"/>
+          </p:nvPr>
+        </p:nvSpPr>
+        <p:spPr/>
+        <p:txBody>
+          <a:bodyPr/>
+          <a:lstStyle/>
+          <a:p>
+            <a:fld id="{018E2434-2E4F-4CA6-AD8F-EC6088967E7D}" type="slidenum">
+              <a:rPr lang="fr-CA" smtClean="0"/>
+              <a:t>9</a:t>
+            </a:fld>
+            <a:endParaRPr lang="fr-CA"/>
           </a:p>
         </p:txBody>
       </p:sp>
     </p:spTree>
     <p:extLst>
       <p:ext uri="{BB962C8B-B14F-4D97-AF65-F5344CB8AC3E}">
-        <p14:creationId xmlns:p14="http://schemas.microsoft.com/office/powerpoint/2010/main" val="2893093991"/>
+        <p14:creationId xmlns:p14="http://schemas.microsoft.com/office/powerpoint/2010/main" val="1128446326"/>
       </p:ext>
     </p:extLst>
   </p:cSld>
